--- a/Presentations/Poster/36x48 Poster Template 1.pptx
+++ b/Presentations/Poster/36x48 Poster Template 1.pptx
@@ -485,7 +485,7 @@
               <a:pPr>
                 <a:defRPr/>
               </a:pPr>
-              <a:t>7/21/2025</a:t>
+              <a:t>7/28/25</a:t>
             </a:fld>
             <a:endParaRPr lang="en-US"/>
           </a:p>
@@ -4227,7 +4227,7 @@
                 </a:effectLst>
                 <a:latin typeface="Verdana" pitchFamily="34" charset="0"/>
               </a:rPr>
-              <a:t>Title: Descriptive, not too long, large (96 pt), shadow, white </a:t>
+              <a:t>Eviction Disparities in Texas (2020–2023): A Socioeconomic and Racial Lens</a:t>
             </a:r>
             <a:endParaRPr lang="en-US" sz="8000" b="1" i="1" baseline="30000" dirty="0">
               <a:solidFill>
@@ -4256,7 +4256,7 @@
         </p:nvSpPr>
         <p:spPr bwMode="auto">
           <a:xfrm>
-            <a:off x="22344945" y="8531578"/>
+            <a:off x="22326600" y="8531578"/>
             <a:ext cx="9750778" cy="812800"/>
           </a:xfrm>
           <a:prstGeom prst="roundRect">
@@ -4289,7 +4289,7 @@
               <a:defRPr/>
             </a:pPr>
             <a:r>
-              <a:rPr lang="en-US" sz="3911" b="1">
+              <a:rPr lang="en-US" sz="3911" b="1" dirty="0">
                 <a:solidFill>
                   <a:srgbClr val="FAFD00"/>
                 </a:solidFill>
@@ -4303,7 +4303,7 @@
               <a:t>	</a:t>
             </a:r>
             <a:r>
-              <a:rPr lang="en-US" sz="3911" b="1">
+              <a:rPr lang="en-US" sz="3911" b="1" dirty="0">
                 <a:solidFill>
                   <a:schemeClr val="bg1"/>
                 </a:solidFill>
@@ -4314,7 +4314,7 @@
                 </a:effectLst>
                 <a:latin typeface="Verdana" pitchFamily="34" charset="0"/>
               </a:rPr>
-              <a:t>Results - con’t</a:t>
+              <a:t>Results</a:t>
             </a:r>
           </a:p>
         </p:txBody>
@@ -4329,7 +4329,7 @@
         </p:nvSpPr>
         <p:spPr bwMode="auto">
           <a:xfrm>
-            <a:off x="33189334" y="15036800"/>
+            <a:off x="33189334" y="25171400"/>
             <a:ext cx="9750778" cy="812800"/>
           </a:xfrm>
           <a:prstGeom prst="roundRect">
@@ -4397,7 +4397,7 @@
         </p:nvSpPr>
         <p:spPr bwMode="auto">
           <a:xfrm>
-            <a:off x="33121600" y="8534400"/>
+            <a:off x="33121600" y="17898682"/>
             <a:ext cx="9750778" cy="812800"/>
           </a:xfrm>
           <a:prstGeom prst="roundRect">
@@ -4430,7 +4430,7 @@
               <a:defRPr/>
             </a:pPr>
             <a:r>
-              <a:rPr lang="en-US" sz="3911" b="1">
+              <a:rPr lang="en-US" sz="3911" b="1" dirty="0">
                 <a:solidFill>
                   <a:srgbClr val="FAFD00"/>
                 </a:solidFill>
@@ -4444,7 +4444,7 @@
               <a:t>	 </a:t>
             </a:r>
             <a:r>
-              <a:rPr lang="en-US" sz="3911" b="1">
+              <a:rPr lang="en-US" sz="3911" b="1" dirty="0">
                 <a:solidFill>
                   <a:schemeClr val="bg1"/>
                 </a:solidFill>
@@ -4538,7 +4538,7 @@
         </p:nvSpPr>
         <p:spPr bwMode="auto">
           <a:xfrm>
-            <a:off x="11582400" y="19371733"/>
+            <a:off x="11651544" y="22555200"/>
             <a:ext cx="9750778" cy="812800"/>
           </a:xfrm>
           <a:prstGeom prst="roundRect">
@@ -4611,7 +4611,7 @@
         </p:nvSpPr>
         <p:spPr bwMode="auto">
           <a:xfrm>
-            <a:off x="836085" y="12845344"/>
+            <a:off x="841022" y="15646400"/>
             <a:ext cx="9750778" cy="812800"/>
           </a:xfrm>
           <a:prstGeom prst="roundRect">
@@ -4720,8 +4720,8 @@
         </p:nvSpPr>
         <p:spPr bwMode="auto">
           <a:xfrm>
-            <a:off x="33110311" y="17475200"/>
-            <a:ext cx="9750778" cy="1219200"/>
+            <a:off x="33121600" y="26034339"/>
+            <a:ext cx="9750778" cy="2312061"/>
           </a:xfrm>
           <a:prstGeom prst="rect">
             <a:avLst/>
@@ -4738,6 +4738,16 @@
           <a:bodyPr lIns="203200"/>
           <a:lstStyle/>
           <a:p>
+            <a:pPr algn="just">
+              <a:spcBef>
+                <a:spcPct val="50000"/>
+              </a:spcBef>
+            </a:pPr>
+            <a:endParaRPr lang="en-US" sz="1600" dirty="0">
+              <a:latin typeface="Arial" charset="0"/>
+            </a:endParaRPr>
+          </a:p>
+          <a:p>
             <a:pPr marL="254003" indent="-254003" algn="just" eaLnBrk="0" hangingPunct="0">
               <a:lnSpc>
                 <a:spcPct val="90000"/>
@@ -4746,49 +4756,16 @@
               <a:buChar char="1"/>
             </a:pPr>
             <a:r>
-              <a:rPr lang="en-US" sz="1600">
-                <a:solidFill>
-                  <a:srgbClr val="000062"/>
-                </a:solidFill>
+              <a:rPr lang="en-US" sz="1600" dirty="0" err="1">
                 <a:latin typeface="Arial" charset="0"/>
               </a:rPr>
-              <a:t>Quigley HA, Nickells RW, Kerrigan LA, Pease ME, Thibault DJ, Zack DJ. </a:t>
-            </a:r>
-            <a:r>
-              <a:rPr lang="en-US" sz="1600" b="1">
-                <a:solidFill>
-                  <a:srgbClr val="000062"/>
-                </a:solidFill>
+              <a:t>ReferencesDesmond</a:t>
+            </a:r>
+            <a:r>
+              <a:rPr lang="en-US" sz="1600" dirty="0">
                 <a:latin typeface="Arial" charset="0"/>
               </a:rPr>
-              <a:t>Retinal ganglion cell death in experimental glaucoma and after axotomy occurs by apoptosis</a:t>
-            </a:r>
-            <a:r>
-              <a:rPr lang="en-US" sz="1600">
-                <a:solidFill>
-                  <a:srgbClr val="000062"/>
-                </a:solidFill>
-                <a:latin typeface="Arial" charset="0"/>
-              </a:rPr>
-              <a:t>. </a:t>
-            </a:r>
-            <a:r>
-              <a:rPr lang="en-US" sz="1600" i="1">
-                <a:solidFill>
-                  <a:srgbClr val="000062"/>
-                </a:solidFill>
-                <a:latin typeface="Arial" charset="0"/>
-              </a:rPr>
-              <a:t>Invest Ophthalmol Vis Sci</a:t>
-            </a:r>
-            <a:r>
-              <a:rPr lang="en-US" sz="1600">
-                <a:solidFill>
-                  <a:srgbClr val="000062"/>
-                </a:solidFill>
-                <a:latin typeface="Arial" charset="0"/>
-              </a:rPr>
-              <a:t> 1995;36:774-86.</a:t>
+              <a:t>, M. (2012). Eviction and the Reproduction of Urban Poverty. American Journal of Sociology, 118(1), 88–133</a:t>
             </a:r>
           </a:p>
           <a:p>
@@ -4796,16 +4773,94 @@
               <a:lnSpc>
                 <a:spcPct val="90000"/>
               </a:lnSpc>
-            </a:pPr>
-            <a:r>
-              <a:rPr lang="en-US" sz="1600">
-                <a:solidFill>
-                  <a:srgbClr val="000062"/>
-                </a:solidFill>
+              <a:buFontTx/>
+              <a:buChar char="1"/>
+            </a:pPr>
+            <a:r>
+              <a:rPr lang="en-US" sz="1600" dirty="0">
                 <a:latin typeface="Arial" charset="0"/>
               </a:rPr>
-              <a:t>, </a:t>
-            </a:r>
+              <a:t>Desmond, M. (2016). Evicted: Poverty and Profit in the American City. Crown Publishing Group.</a:t>
+            </a:r>
+          </a:p>
+          <a:p>
+            <a:pPr marL="254003" indent="-254003" algn="just" eaLnBrk="0" hangingPunct="0">
+              <a:lnSpc>
+                <a:spcPct val="90000"/>
+              </a:lnSpc>
+              <a:buFontTx/>
+              <a:buChar char="1"/>
+            </a:pPr>
+            <a:r>
+              <a:rPr lang="en-US" sz="1600" dirty="0">
+                <a:latin typeface="Arial" charset="0"/>
+              </a:rPr>
+              <a:t>Hepburn, P., Louis, R., &amp; Desmond, M. (2020). Racial and Gender Disparities among Evicted Americans. Sociological Science, 7, 649–662.</a:t>
+            </a:r>
+          </a:p>
+          <a:p>
+            <a:pPr marL="254003" indent="-254003" algn="just" eaLnBrk="0" hangingPunct="0">
+              <a:lnSpc>
+                <a:spcPct val="90000"/>
+              </a:lnSpc>
+              <a:buFontTx/>
+              <a:buChar char="1"/>
+            </a:pPr>
+            <a:r>
+              <a:rPr lang="en-US" sz="1600" dirty="0">
+                <a:latin typeface="Arial" charset="0"/>
+              </a:rPr>
+              <a:t>The Eviction Lab. (2023). Eviction Tracking System for Texas. </a:t>
+            </a:r>
+            <a:r>
+              <a:rPr lang="en-US" sz="1600" dirty="0">
+                <a:latin typeface="Arial" charset="0"/>
+                <a:hlinkClick r:id="rId3"/>
+              </a:rPr>
+              <a:t>https://evictionlab.org/</a:t>
+            </a:r>
+            <a:endParaRPr lang="en-US" sz="1600" dirty="0">
+              <a:latin typeface="Arial" charset="0"/>
+            </a:endParaRPr>
+          </a:p>
+          <a:p>
+            <a:pPr marL="254003" indent="-254003" algn="just" eaLnBrk="0" hangingPunct="0">
+              <a:lnSpc>
+                <a:spcPct val="90000"/>
+              </a:lnSpc>
+              <a:buFontTx/>
+              <a:buChar char="1"/>
+            </a:pPr>
+            <a:r>
+              <a:rPr lang="en-US" sz="1600" dirty="0">
+                <a:latin typeface="Arial" charset="0"/>
+              </a:rPr>
+              <a:t>Barocas, S., Hardt, M., &amp; Narayanan, A. (2019). Fairness and Machine Learning: Limitations and Opportunities. </a:t>
+            </a:r>
+            <a:r>
+              <a:rPr lang="en-US" sz="1600" dirty="0" err="1">
+                <a:latin typeface="Arial" charset="0"/>
+              </a:rPr>
+              <a:t>fairmlbook.org</a:t>
+            </a:r>
+            <a:endParaRPr lang="en-US" sz="1600" dirty="0">
+              <a:latin typeface="Arial" charset="0"/>
+            </a:endParaRPr>
+          </a:p>
+          <a:p>
+            <a:pPr marL="254003" indent="-254003" algn="just" eaLnBrk="0" hangingPunct="0">
+              <a:lnSpc>
+                <a:spcPct val="90000"/>
+              </a:lnSpc>
+              <a:buFontTx/>
+              <a:buChar char="1"/>
+            </a:pPr>
+            <a:endParaRPr lang="en-US" sz="1600" dirty="0">
+              <a:solidFill>
+                <a:srgbClr val="000062"/>
+              </a:solidFill>
+              <a:latin typeface="Arial" charset="0"/>
+            </a:endParaRPr>
           </a:p>
         </p:txBody>
       </p:sp>
@@ -4977,7 +5032,7 @@
       </p:sp>
       <p:sp>
         <p:nvSpPr>
-          <p:cNvPr id="1043" name="Text Box 146"/>
+          <p:cNvPr id="1047" name="Text Box 152"/>
           <p:cNvSpPr txBox="1">
             <a:spLocks noChangeArrowheads="1"/>
           </p:cNvSpPr>
@@ -4985,8 +5040,8 @@
         </p:nvSpPr>
         <p:spPr bwMode="auto">
           <a:xfrm>
-            <a:off x="756355" y="24712789"/>
-            <a:ext cx="9889067" cy="4032258"/>
+            <a:off x="1016000" y="9784917"/>
+            <a:ext cx="9889067" cy="5455083"/>
           </a:xfrm>
           <a:prstGeom prst="rect">
             <a:avLst/>
@@ -5000,7 +5055,7 @@
           </a:ln>
         </p:spPr>
         <p:txBody>
-          <a:bodyPr wrap="square" lIns="162560" rIns="162560">
+          <a:bodyPr lIns="162560" rIns="162560">
             <a:spAutoFit/>
           </a:bodyPr>
           <a:lstStyle/>
@@ -5011,39 +5066,51 @@
               </a:spcBef>
             </a:pPr>
             <a:r>
-              <a:rPr lang="en-US" sz="4267" b="1" dirty="0">
+              <a:rPr lang="en-US" sz="2489" dirty="0">
                 <a:latin typeface="Arial" charset="0"/>
               </a:rPr>
-              <a:t>This poster is 36” x 54”, so it is four columns wide instead of 36” x 48” which is more standard. All Textboxes 12” wide, variable ht. </a:t>
+              <a:t>In this study, we explore socioeconomic and racial disparities in eviction filings across Texas from 2020 to 2023. Using tract-level data from the Eviction Lab and the U.S. Census Bureau (2017–2023), we identify key factors associated with higher eviction risks. </a:t>
+            </a:r>
+          </a:p>
+          <a:p>
+            <a:pPr algn="just">
+              <a:spcBef>
+                <a:spcPct val="50000"/>
+              </a:spcBef>
+            </a:pPr>
+            <a:r>
+              <a:rPr lang="en-US" sz="2489" dirty="0">
+                <a:latin typeface="Arial" charset="0"/>
+              </a:rPr>
+              <a:t>Our analysis includes data merging, feature engineering, and visualization to assess patterns over time and space.</a:t>
             </a:r>
             <a:br>
-              <a:rPr lang="en-US" sz="4267" b="1" dirty="0">
+              <a:rPr lang="en-US" sz="2489" dirty="0">
                 <a:latin typeface="Arial" charset="0"/>
               </a:rPr>
             </a:br>
-            <a:r>
-              <a:rPr lang="en-US" sz="4267" b="1" dirty="0">
+            <a:endParaRPr lang="en-US" sz="2489" dirty="0">
+              <a:latin typeface="Arial" charset="0"/>
+            </a:endParaRPr>
+          </a:p>
+          <a:p>
+            <a:pPr algn="just">
+              <a:spcBef>
+                <a:spcPct val="50000"/>
+              </a:spcBef>
+            </a:pPr>
+            <a:r>
+              <a:rPr lang="en-US" sz="2489" dirty="0">
                 <a:latin typeface="Arial" charset="0"/>
               </a:rPr>
-              <a:t>0.2 internal LR margins</a:t>
-            </a:r>
-            <a:br>
-              <a:rPr lang="en-US" sz="4267" b="1" dirty="0">
-                <a:latin typeface="Arial" charset="0"/>
-              </a:rPr>
-            </a:br>
-            <a:r>
-              <a:rPr lang="en-US" sz="4267" b="1" dirty="0">
-                <a:latin typeface="Arial" charset="0"/>
-              </a:rPr>
-              <a:t>0.05 internal top/bottom margins  </a:t>
-            </a:r>
-          </a:p>
-        </p:txBody>
-      </p:sp>
-      <p:sp>
-        <p:nvSpPr>
-          <p:cNvPr id="1044" name="Text Box 147"/>
+              <a:t>Results suggest that communities with higher percentages of Black and Hispanic residents, elevated poverty and uninsured rates, and low homeownership are disproportionately affected by evictions. We also discuss model performance and potential biases. This work emphasizes the importance of ethical modeling and data justice in housing policy research.</a:t>
+            </a:r>
+          </a:p>
+        </p:txBody>
+      </p:sp>
+      <p:sp>
+        <p:nvSpPr>
+          <p:cNvPr id="1051" name="Text Box 157"/>
           <p:cNvSpPr txBox="1">
             <a:spLocks noChangeArrowheads="1"/>
           </p:cNvSpPr>
@@ -5051,8 +5118,8 @@
         </p:nvSpPr>
         <p:spPr bwMode="auto">
           <a:xfrm>
-            <a:off x="862189" y="29048120"/>
-            <a:ext cx="9889067" cy="1186735"/>
+            <a:off x="11582400" y="9753600"/>
+            <a:ext cx="9889067" cy="5838137"/>
           </a:xfrm>
           <a:prstGeom prst="rect">
             <a:avLst/>
@@ -5066,7 +5133,7 @@
           </a:ln>
         </p:spPr>
         <p:txBody>
-          <a:bodyPr lIns="162560" rIns="162560">
+          <a:bodyPr wrap="square" lIns="162560" rIns="162560">
             <a:spAutoFit/>
           </a:bodyPr>
           <a:lstStyle/>
@@ -5077,17 +5144,103 @@
               </a:spcBef>
             </a:pPr>
             <a:r>
-              <a:rPr lang="en-US" sz="3556" b="1" dirty="0">
+              <a:rPr lang="en-US" sz="2489" dirty="0">
                 <a:latin typeface="Arial" charset="0"/>
               </a:rPr>
-              <a:t>In this column, items are positioned horizontally, 1.0” from the top left corner</a:t>
-            </a:r>
-          </a:p>
-        </p:txBody>
-      </p:sp>
-      <p:sp>
-        <p:nvSpPr>
-          <p:cNvPr id="1045" name="Text Box 149"/>
+              <a:t>We combined two main data sources:</a:t>
+            </a:r>
+          </a:p>
+          <a:p>
+            <a:pPr marL="342900" indent="-342900" algn="just">
+              <a:spcBef>
+                <a:spcPct val="50000"/>
+              </a:spcBef>
+              <a:buFont typeface="Arial" panose="020B0604020202020204" pitchFamily="34" charset="0"/>
+              <a:buChar char="•"/>
+            </a:pPr>
+            <a:r>
+              <a:rPr lang="en-US" sz="2489" dirty="0">
+                <a:latin typeface="Arial" charset="0"/>
+              </a:rPr>
+              <a:t>Eviction Lab's eviction filings from 2020 to 2023, and</a:t>
+            </a:r>
+          </a:p>
+          <a:p>
+            <a:pPr marL="342900" indent="-342900" algn="just">
+              <a:spcBef>
+                <a:spcPct val="50000"/>
+              </a:spcBef>
+              <a:buFont typeface="Arial" panose="020B0604020202020204" pitchFamily="34" charset="0"/>
+              <a:buChar char="•"/>
+            </a:pPr>
+            <a:r>
+              <a:rPr lang="en-US" sz="2489" dirty="0">
+                <a:latin typeface="Arial" charset="0"/>
+              </a:rPr>
+              <a:t>American Community Survey (ACS) data from 2017 to 2023.</a:t>
+            </a:r>
+          </a:p>
+          <a:p>
+            <a:pPr algn="just">
+              <a:spcBef>
+                <a:spcPct val="50000"/>
+              </a:spcBef>
+            </a:pPr>
+            <a:r>
+              <a:rPr lang="en-US" sz="2489" dirty="0">
+                <a:latin typeface="Arial" charset="0"/>
+              </a:rPr>
+              <a:t>We engineered tract-level features such as:</a:t>
+            </a:r>
+          </a:p>
+          <a:p>
+            <a:pPr marL="342900" indent="-342900" algn="just">
+              <a:spcBef>
+                <a:spcPct val="50000"/>
+              </a:spcBef>
+              <a:buFont typeface="Arial" panose="020B0604020202020204" pitchFamily="34" charset="0"/>
+              <a:buChar char="•"/>
+            </a:pPr>
+            <a:r>
+              <a:rPr lang="en-US" sz="2489" dirty="0">
+                <a:latin typeface="Arial" charset="0"/>
+              </a:rPr>
+              <a:t>Percent Black, Hispanic, uninsured, below poverty line, and renter-occupied households.</a:t>
+            </a:r>
+          </a:p>
+          <a:p>
+            <a:pPr marL="342900" indent="-342900" algn="just">
+              <a:spcBef>
+                <a:spcPct val="50000"/>
+              </a:spcBef>
+              <a:buFont typeface="Arial" panose="020B0604020202020204" pitchFamily="34" charset="0"/>
+              <a:buChar char="•"/>
+            </a:pPr>
+            <a:r>
+              <a:rPr lang="en-US" sz="2489" dirty="0">
+                <a:latin typeface="Arial" charset="0"/>
+              </a:rPr>
+              <a:t>We then joined and cleaned the datasets for alignment by tract and time.</a:t>
+            </a:r>
+          </a:p>
+          <a:p>
+            <a:pPr algn="just">
+              <a:spcBef>
+                <a:spcPct val="50000"/>
+              </a:spcBef>
+            </a:pPr>
+            <a:r>
+              <a:rPr lang="en-US" sz="2489" dirty="0">
+                <a:latin typeface="Arial" charset="0"/>
+              </a:rPr>
+              <a:t>We visualized spatial patterns, assessed correlations, and trained simple decision tree classifiers to identify key predictors of eviction risk. Finally, we applied SHAP values to evaluate potential bias in model explanations.</a:t>
+            </a:r>
+          </a:p>
+        </p:txBody>
+      </p:sp>
+      <p:sp>
+        <p:nvSpPr>
+          <p:cNvPr id="1052" name="Text Box 158"/>
           <p:cNvSpPr txBox="1">
             <a:spLocks noChangeArrowheads="1"/>
           </p:cNvSpPr>
@@ -5095,8 +5248,8 @@
         </p:nvSpPr>
         <p:spPr bwMode="auto">
           <a:xfrm>
-            <a:off x="11551233" y="27494118"/>
-            <a:ext cx="9889067" cy="2062296"/>
+            <a:off x="33121600" y="29565600"/>
+            <a:ext cx="9889067" cy="1815882"/>
           </a:xfrm>
           <a:prstGeom prst="rect">
             <a:avLst/>
@@ -5115,23 +5268,25 @@
           </a:bodyPr>
           <a:lstStyle/>
           <a:p>
-            <a:pPr algn="just">
+            <a:pPr algn="just" fontAlgn="b">
               <a:spcBef>
                 <a:spcPct val="50000"/>
               </a:spcBef>
             </a:pPr>
             <a:r>
-              <a:rPr lang="en-US" sz="4267" b="1" dirty="0">
-                <a:latin typeface="Arial" charset="0"/>
-              </a:rPr>
-              <a:t>In this column, items are positioned horizontally, 14.25” from the top left corner</a:t>
-            </a:r>
-          </a:p>
-        </p:txBody>
-      </p:sp>
-      <p:sp>
-        <p:nvSpPr>
-          <p:cNvPr id="1046" name="Text Box 151"/>
+              <a:rPr lang="en-US" sz="2800" dirty="0"/>
+              <a:t>This research was partially funded by the Department of Education Ronald E. McNair Scholars Grant at the University of Texas at San Antonio. We thank the Eviction Lab and U.S. Census Bureau for making the data available.</a:t>
+            </a:r>
+            <a:endParaRPr lang="en-US" sz="2489" dirty="0">
+              <a:latin typeface="Arial" charset="0"/>
+              <a:cs typeface="Arial" charset="0"/>
+            </a:endParaRPr>
+          </a:p>
+        </p:txBody>
+      </p:sp>
+      <p:sp>
+        <p:nvSpPr>
+          <p:cNvPr id="1053" name="Text Box 160"/>
           <p:cNvSpPr txBox="1">
             <a:spLocks noChangeArrowheads="1"/>
           </p:cNvSpPr>
@@ -5139,8 +5294,8 @@
         </p:nvSpPr>
         <p:spPr bwMode="auto">
           <a:xfrm>
-            <a:off x="903112" y="23345193"/>
-            <a:ext cx="9889067" cy="1241494"/>
+            <a:off x="11582400" y="22880556"/>
+            <a:ext cx="9956800" cy="5694444"/>
           </a:xfrm>
           <a:prstGeom prst="rect">
             <a:avLst/>
@@ -5154,10 +5309,13 @@
           </a:ln>
         </p:spPr>
         <p:txBody>
-          <a:bodyPr>
+          <a:bodyPr lIns="162560" rIns="162560">
             <a:spAutoFit/>
           </a:bodyPr>
           <a:lstStyle/>
+          <a:p>
+            <a:endParaRPr lang="en-US" sz="2800" b="1" dirty="0"/>
+          </a:p>
           <a:p>
             <a:pPr algn="just">
               <a:spcBef>
@@ -5168,40 +5326,9 @@
               <a:rPr lang="en-US" sz="2489" dirty="0">
                 <a:latin typeface="Arial" charset="0"/>
               </a:rPr>
-              <a:t>All body text 26-30 pts (28 here). I prefer Ariel or Verdana.  Nice dark color (blue or black).  No yellow.  No red or yellow on a blue background.</a:t>
-            </a:r>
-          </a:p>
-        </p:txBody>
-      </p:sp>
-      <p:sp>
-        <p:nvSpPr>
-          <p:cNvPr id="1047" name="Text Box 152"/>
-          <p:cNvSpPr txBox="1">
-            <a:spLocks noChangeArrowheads="1"/>
-          </p:cNvSpPr>
-          <p:nvPr/>
-        </p:nvSpPr>
-        <p:spPr bwMode="auto">
-          <a:xfrm>
-            <a:off x="811389" y="9685867"/>
-            <a:ext cx="9889067" cy="1241494"/>
-          </a:xfrm>
-          <a:prstGeom prst="rect">
-            <a:avLst/>
-          </a:prstGeom>
-          <a:noFill/>
-          <a:ln w="9525">
-            <a:noFill/>
-            <a:miter lim="800000"/>
-            <a:headEnd/>
-            <a:tailEnd/>
-          </a:ln>
-        </p:spPr>
-        <p:txBody>
-          <a:bodyPr lIns="162560" rIns="162560">
-            <a:spAutoFit/>
-          </a:bodyPr>
-          <a:lstStyle/>
+              <a:t>Our analysis uncovered consistent socioeconomic and racial disparities in eviction filings across Texas census tracts from 2020 to 2023.</a:t>
+            </a:r>
+          </a:p>
           <a:p>
             <a:pPr algn="just">
               <a:spcBef>
@@ -5209,144 +5336,18 @@
               </a:spcBef>
             </a:pPr>
             <a:r>
+              <a:rPr lang="en-US" sz="2489" b="1" dirty="0">
+                <a:latin typeface="Arial" charset="0"/>
+              </a:rPr>
+              <a:t>Correlations: </a:t>
+            </a:r>
+            <a:r>
               <a:rPr lang="en-US" sz="2489" dirty="0">
                 <a:latin typeface="Arial" charset="0"/>
               </a:rPr>
-              <a:t>Insert Abstract here. May not be required.  Preferably that turned in for abstract book.  Will provide redundant information. Preferably around 300ish words (as conference requires).</a:t>
-            </a:r>
-          </a:p>
-        </p:txBody>
-      </p:sp>
-      <p:sp>
-        <p:nvSpPr>
-          <p:cNvPr id="1048" name="Text Box 153"/>
-          <p:cNvSpPr txBox="1">
-            <a:spLocks noChangeArrowheads="1"/>
-          </p:cNvSpPr>
-          <p:nvPr/>
-        </p:nvSpPr>
-        <p:spPr bwMode="auto">
-          <a:xfrm>
-            <a:off x="774700" y="11065227"/>
-            <a:ext cx="9889067" cy="858440"/>
-          </a:xfrm>
-          <a:prstGeom prst="rect">
-            <a:avLst/>
-          </a:prstGeom>
-          <a:noFill/>
-          <a:ln w="9525">
-            <a:noFill/>
-            <a:miter lim="800000"/>
-            <a:headEnd/>
-            <a:tailEnd/>
-          </a:ln>
-        </p:spPr>
-        <p:txBody>
-          <a:bodyPr lIns="162560" rIns="162560">
-            <a:spAutoFit/>
-          </a:bodyPr>
-          <a:lstStyle/>
-          <a:p>
-            <a:pPr algn="just">
-              <a:spcBef>
-                <a:spcPct val="20000"/>
-              </a:spcBef>
-            </a:pPr>
-            <a:r>
-              <a:rPr lang="en-US" sz="2489" dirty="0">
-                <a:latin typeface="Arial" charset="0"/>
-              </a:rPr>
-              <a:t>Purpose, Objective, Aim, Goal:  What are you going to do?  What is your hypothesis?   Very short. 2 sentences.</a:t>
-            </a:r>
-          </a:p>
-        </p:txBody>
-      </p:sp>
-      <p:sp>
-        <p:nvSpPr>
-          <p:cNvPr id="1049" name="Text Box 155"/>
-          <p:cNvSpPr txBox="1">
-            <a:spLocks noChangeArrowheads="1"/>
-          </p:cNvSpPr>
-          <p:nvPr/>
-        </p:nvSpPr>
-        <p:spPr bwMode="auto">
-          <a:xfrm>
-            <a:off x="812801" y="14265310"/>
-            <a:ext cx="9889067" cy="1318118"/>
-          </a:xfrm>
-          <a:prstGeom prst="rect">
-            <a:avLst/>
-          </a:prstGeom>
-          <a:noFill/>
-          <a:ln w="76200">
-            <a:noFill/>
-            <a:miter lim="800000"/>
-            <a:headEnd/>
-            <a:tailEnd/>
-          </a:ln>
-        </p:spPr>
-        <p:txBody>
-          <a:bodyPr lIns="162560" rIns="162560">
-            <a:spAutoFit/>
-          </a:bodyPr>
-          <a:lstStyle/>
-          <a:p>
-            <a:pPr algn="just">
-              <a:spcBef>
-                <a:spcPct val="20000"/>
-              </a:spcBef>
-            </a:pPr>
-            <a:r>
-              <a:rPr lang="en-US" sz="2489" dirty="0">
-                <a:latin typeface="Arial" charset="0"/>
-              </a:rPr>
-              <a:t>Make very brief.  Foundation for your work. Why you chose to study.</a:t>
-            </a:r>
-          </a:p>
-          <a:p>
-            <a:pPr algn="just">
-              <a:spcBef>
-                <a:spcPct val="20000"/>
-              </a:spcBef>
-            </a:pPr>
-            <a:r>
-              <a:rPr lang="en-US" sz="2489" dirty="0">
-                <a:latin typeface="Arial" charset="0"/>
-              </a:rPr>
-              <a:t>Equivalent of 1 double spaced 81/2x11.  Separate into easy to read paragraphs.</a:t>
-            </a:r>
-          </a:p>
-        </p:txBody>
-      </p:sp>
-      <p:sp>
-        <p:nvSpPr>
-          <p:cNvPr id="1050" name="Text Box 156"/>
-          <p:cNvSpPr txBox="1">
-            <a:spLocks noChangeArrowheads="1"/>
-          </p:cNvSpPr>
-          <p:nvPr/>
-        </p:nvSpPr>
-        <p:spPr bwMode="auto">
-          <a:xfrm>
-            <a:off x="33121600" y="28244800"/>
-            <a:ext cx="9889067" cy="2062296"/>
-          </a:xfrm>
-          <a:prstGeom prst="rect">
-            <a:avLst/>
-          </a:prstGeom>
-          <a:noFill/>
-          <a:ln w="9525">
-            <a:noFill/>
-            <a:miter lim="800000"/>
-            <a:headEnd/>
-            <a:tailEnd/>
-          </a:ln>
-        </p:spPr>
-        <p:txBody>
-          <a:bodyPr lIns="162560" rIns="162560">
-            <a:spAutoFit/>
-          </a:bodyPr>
-          <a:lstStyle/>
+              <a:t>Strongest predictors include poverty rate, % Black and Hispanic population, and % renters.</a:t>
+            </a:r>
+          </a:p>
           <a:p>
             <a:pPr algn="just">
               <a:spcBef>
@@ -5354,43 +5355,18 @@
               </a:spcBef>
             </a:pPr>
             <a:r>
-              <a:rPr lang="en-US" sz="4267" b="1">
+              <a:rPr lang="en-US" sz="2489" b="1" dirty="0">
                 <a:latin typeface="Arial" charset="0"/>
               </a:rPr>
-              <a:t>In this column, items are positioned horizontally, 40.75” from the top left corner</a:t>
-            </a:r>
-          </a:p>
-        </p:txBody>
-      </p:sp>
-      <p:sp>
-        <p:nvSpPr>
-          <p:cNvPr id="1051" name="Text Box 157"/>
-          <p:cNvSpPr txBox="1">
-            <a:spLocks noChangeArrowheads="1"/>
-          </p:cNvSpPr>
-          <p:nvPr/>
-        </p:nvSpPr>
-        <p:spPr bwMode="auto">
-          <a:xfrm>
-            <a:off x="11582400" y="9753600"/>
-            <a:ext cx="9889067" cy="1241494"/>
-          </a:xfrm>
-          <a:prstGeom prst="rect">
-            <a:avLst/>
-          </a:prstGeom>
-          <a:noFill/>
-          <a:ln w="9525">
-            <a:noFill/>
-            <a:miter lim="800000"/>
-            <a:headEnd/>
-            <a:tailEnd/>
-          </a:ln>
-        </p:spPr>
-        <p:txBody>
-          <a:bodyPr lIns="162560" rIns="162560">
-            <a:spAutoFit/>
-          </a:bodyPr>
-          <a:lstStyle/>
+              <a:t>Modeling: </a:t>
+            </a:r>
+            <a:r>
+              <a:rPr lang="en-US" sz="2489" dirty="0">
+                <a:latin typeface="Arial" charset="0"/>
+              </a:rPr>
+              <a:t>Decision Trees and Logistic Regression used to classify risk.</a:t>
+            </a:r>
+          </a:p>
           <a:p>
             <a:pPr algn="just">
               <a:spcBef>
@@ -5398,55 +5374,20 @@
               </a:spcBef>
             </a:pPr>
             <a:r>
-              <a:rPr lang="en-US" sz="2489">
+              <a:rPr lang="en-US" sz="2489" b="1" dirty="0">
                 <a:latin typeface="Arial" charset="0"/>
               </a:rPr>
-              <a:t>Can include summary figure; flow chart, image, photographs.  Can bullet to shorten.  Few words as possible. sure to include</a:t>
-            </a:r>
-            <a:r>
-              <a:rPr lang="en-US" sz="2489">
+              <a:t>Bias Detection: </a:t>
+            </a:r>
+            <a:r>
+              <a:rPr lang="en-US" sz="2489" dirty="0">
                 <a:latin typeface="Arial" charset="0"/>
-                <a:cs typeface="Arial" charset="0"/>
               </a:rPr>
-              <a:t> subjects, experimental design, statistical methods, drugs and equipment used</a:t>
-            </a:r>
-            <a:endParaRPr lang="en-US" sz="2489">
-              <a:latin typeface="Arial" charset="0"/>
-            </a:endParaRPr>
-          </a:p>
-        </p:txBody>
-      </p:sp>
-      <p:sp>
-        <p:nvSpPr>
-          <p:cNvPr id="1052" name="Text Box 158"/>
-          <p:cNvSpPr txBox="1">
-            <a:spLocks noChangeArrowheads="1"/>
-          </p:cNvSpPr>
-          <p:nvPr/>
-        </p:nvSpPr>
-        <p:spPr bwMode="auto">
-          <a:xfrm>
-            <a:off x="33121600" y="25400000"/>
-            <a:ext cx="9889067" cy="2199128"/>
-          </a:xfrm>
-          <a:prstGeom prst="rect">
-            <a:avLst/>
-          </a:prstGeom>
-          <a:noFill/>
-          <a:ln w="9525">
-            <a:noFill/>
-            <a:miter lim="800000"/>
-            <a:headEnd/>
-            <a:tailEnd/>
-          </a:ln>
-        </p:spPr>
-        <p:txBody>
-          <a:bodyPr lIns="162560" rIns="162560">
-            <a:spAutoFit/>
-          </a:bodyPr>
-          <a:lstStyle/>
-          <a:p>
-            <a:pPr algn="just" fontAlgn="b">
+              <a:t>SHAP analysis revealed model sensitivity to race-related features.</a:t>
+            </a:r>
+          </a:p>
+          <a:p>
+            <a:pPr algn="just">
               <a:spcBef>
                 <a:spcPct val="50000"/>
               </a:spcBef>
@@ -5454,37 +5395,21 @@
             <a:r>
               <a:rPr lang="en-US" sz="2489" b="1" dirty="0">
                 <a:latin typeface="Arial" charset="0"/>
-                <a:cs typeface="Arial" charset="0"/>
               </a:rPr>
-              <a:t>Funding Organization/Agency/Source &amp; Acknowledgements, possible conflicts of interest </a:t>
+              <a:t>Geospatial Analysis: </a:t>
             </a:r>
             <a:r>
               <a:rPr lang="en-US" sz="2489" dirty="0">
                 <a:latin typeface="Arial" charset="0"/>
-                <a:cs typeface="Arial" charset="0"/>
               </a:rPr>
-              <a:t>- usually placed at the bottom right of the poster. One paragraph (short).  Can make smaller if needed.</a:t>
-            </a:r>
-          </a:p>
-          <a:p>
-            <a:pPr algn="just" fontAlgn="b">
-              <a:spcBef>
-                <a:spcPct val="50000"/>
-              </a:spcBef>
-            </a:pPr>
-            <a:r>
-              <a:rPr lang="en-US" sz="2489" dirty="0">
-                <a:latin typeface="Arial" charset="0"/>
-                <a:cs typeface="Arial" charset="0"/>
-              </a:rPr>
-              <a:t>Partially funded by the Department of Education Ronald E. McNair Scholars Grant at the University of Texas at San Antonio.</a:t>
-            </a:r>
-          </a:p>
-        </p:txBody>
-      </p:sp>
-      <p:sp>
-        <p:nvSpPr>
-          <p:cNvPr id="1053" name="Text Box 160"/>
+              <a:t>Certain tracts in Houston, Dallas, and San Antonio show significantly higher eviction filings.</a:t>
+            </a:r>
+          </a:p>
+        </p:txBody>
+      </p:sp>
+      <p:sp>
+        <p:nvSpPr>
+          <p:cNvPr id="1054" name="Text Box 178"/>
           <p:cNvSpPr txBox="1">
             <a:spLocks noChangeArrowheads="1"/>
           </p:cNvSpPr>
@@ -5492,8 +5417,8 @@
         </p:nvSpPr>
         <p:spPr bwMode="auto">
           <a:xfrm>
-            <a:off x="11582400" y="20519702"/>
-            <a:ext cx="9956800" cy="6412718"/>
+            <a:off x="1027289" y="16830336"/>
+            <a:ext cx="9889067" cy="6029664"/>
           </a:xfrm>
           <a:prstGeom prst="rect">
             <a:avLst/>
@@ -5521,7 +5446,7 @@
               <a:rPr lang="en-US" sz="2489" dirty="0">
                 <a:latin typeface="Arial" charset="0"/>
               </a:rPr>
-              <a:t>Figure Based.  Put words to explain figures so that they can stand alone.  Try using figures/graphs most, because they convey the most information.  If you use a table, you must add in words near it to explain it and its significance.</a:t>
+              <a:t>Housing instability, particularly eviction, disproportionately affects marginalized populations. Studies have shown strong links between racial and socioeconomic inequality and eviction risk. This research aims to deepen understanding of such disparities in Texas by integrating eviction records with census tract-level demographics.</a:t>
             </a:r>
           </a:p>
           <a:p>
@@ -5534,31 +5459,7 @@
               <a:rPr lang="en-US" sz="2489" dirty="0">
                 <a:latin typeface="Arial" charset="0"/>
               </a:rPr>
-              <a:t>Manipulate images/photographs outside of PowerPoint (Photoshop, </a:t>
-            </a:r>
-            <a:r>
-              <a:rPr lang="en-US" sz="2489" dirty="0" err="1">
-                <a:latin typeface="Arial" charset="0"/>
-              </a:rPr>
-              <a:t>etc</a:t>
-            </a:r>
-            <a:r>
-              <a:rPr lang="en-US" sz="2489" dirty="0">
-                <a:latin typeface="Arial" charset="0"/>
-              </a:rPr>
-              <a:t>).  Try not to resize within PowerPoint, because of possible printing problems.  They should be at 240 dots per inch (dpi, pixels) and of the correct size.  They should be .jpg, .bmp, .</a:t>
-            </a:r>
-            <a:r>
-              <a:rPr lang="en-US" sz="2489" dirty="0" err="1">
-                <a:latin typeface="Arial" charset="0"/>
-              </a:rPr>
-              <a:t>tif</a:t>
-            </a:r>
-            <a:r>
-              <a:rPr lang="en-US" sz="2489" dirty="0">
-                <a:latin typeface="Arial" charset="0"/>
-              </a:rPr>
-              <a:t>, or .gif format.</a:t>
+              <a:t>Our objective is to identify correlational patterns, visualize geographic disparities, and evaluate risks of model bias. By uncovering patterns and proposing bias-aware modeling strategies, we seek to contribute to equitable policy recommendations.</a:t>
             </a:r>
           </a:p>
           <a:p>
@@ -5571,19 +5472,7 @@
               <a:rPr lang="en-US" sz="2489" dirty="0">
                 <a:latin typeface="Arial" charset="0"/>
               </a:rPr>
-              <a:t>Excel graphs can be copied from within Excel and dropped into place.  They can be stretched and reshaped with no trouble from within PowerPoint.  Click once on them </a:t>
-            </a:r>
-            <a:r>
-              <a:rPr lang="en-US" sz="2489" dirty="0" err="1">
-                <a:latin typeface="Arial" charset="0"/>
-              </a:rPr>
-              <a:t>them</a:t>
-            </a:r>
-            <a:r>
-              <a:rPr lang="en-US" sz="2489" dirty="0">
-                <a:latin typeface="Arial" charset="0"/>
-              </a:rPr>
-              <a:t> to manipulate or format them (if you click twice, you get a spread sheet).  If you click on their corner then hold down the shift key, you will increase them proportionally, and not get odd-looking skinny or squashed lettering. </a:t>
+              <a:t>Eviction is a key driver of housing insecurity and long-term social inequality. It is associated with poor health, job instability, educational disruption, and increased homelessness1.</a:t>
             </a:r>
           </a:p>
           <a:p>
@@ -5596,76 +5485,7 @@
               <a:rPr lang="en-US" sz="2489" dirty="0">
                 <a:latin typeface="Arial" charset="0"/>
               </a:rPr>
-              <a:t>Tables from Excel or Word can also be manipulated.  </a:t>
-            </a:r>
-          </a:p>
-        </p:txBody>
-      </p:sp>
-      <p:sp>
-        <p:nvSpPr>
-          <p:cNvPr id="1054" name="Text Box 178"/>
-          <p:cNvSpPr txBox="1">
-            <a:spLocks noChangeArrowheads="1"/>
-          </p:cNvSpPr>
-          <p:nvPr/>
-        </p:nvSpPr>
-        <p:spPr bwMode="auto">
-          <a:xfrm>
-            <a:off x="856546" y="15895937"/>
-            <a:ext cx="9889067" cy="4880503"/>
-          </a:xfrm>
-          <a:prstGeom prst="rect">
-            <a:avLst/>
-          </a:prstGeom>
-          <a:noFill/>
-          <a:ln w="63500">
-            <a:noFill/>
-            <a:miter lim="800000"/>
-            <a:headEnd/>
-            <a:tailEnd/>
-          </a:ln>
-        </p:spPr>
-        <p:txBody>
-          <a:bodyPr lIns="162560" rIns="162560">
-            <a:spAutoFit/>
-          </a:bodyPr>
-          <a:lstStyle/>
-          <a:p>
-            <a:pPr algn="just">
-              <a:spcBef>
-                <a:spcPct val="50000"/>
-              </a:spcBef>
-            </a:pPr>
-            <a:r>
-              <a:rPr lang="en-US" sz="2489" dirty="0">
-                <a:latin typeface="Arial" charset="0"/>
-              </a:rPr>
-              <a:t>Hint 1. To make the objects in one area move as a group, highlight them all by holding down the shift key and clicking on them consecutively.  Then go to the draw button and choose group.  They should now move together. If you have images on a background, do not resize by stretching the whole item; ungroup first and resize the background.  Before you turn it in for printing, please ungroup everything.</a:t>
-            </a:r>
-          </a:p>
-          <a:p>
-            <a:pPr algn="just">
-              <a:spcBef>
-                <a:spcPct val="50000"/>
-              </a:spcBef>
-            </a:pPr>
-            <a:r>
-              <a:rPr lang="en-US" sz="2489" dirty="0">
-                <a:latin typeface="Arial" charset="0"/>
-              </a:rPr>
-              <a:t>Hint 2.  When you want to move something, but want to maintain either its horizontal or vertical position (ex., moving down one of the heading boxes), hold down the shift key, click on the item and drag it.  The first direction you move (</a:t>
-            </a:r>
-            <a:r>
-              <a:rPr lang="en-US" sz="2489" dirty="0" err="1">
-                <a:latin typeface="Arial" charset="0"/>
-              </a:rPr>
-              <a:t>horiz</a:t>
-            </a:r>
-            <a:r>
-              <a:rPr lang="en-US" sz="2489" dirty="0">
-                <a:latin typeface="Arial" charset="0"/>
-              </a:rPr>
-              <a:t>. or vert.) will be the only way that it can go…no diagonal.  </a:t>
+              <a:t>Black and Hispanic renters face eviction at disproportionately high rates, even after controlling for income and family status23.</a:t>
             </a:r>
           </a:p>
         </p:txBody>
@@ -5758,65 +5578,15 @@
               </a:spcBef>
             </a:pPr>
             <a:r>
-              <a:rPr lang="en-US" sz="2844" b="1">
+              <a:rPr lang="en-US" sz="2844" b="1" dirty="0">
                 <a:solidFill>
                   <a:srgbClr val="990099"/>
                 </a:solidFill>
                 <a:latin typeface="Arial" charset="0"/>
               </a:rPr>
-              <a:t>Time Course of Tumor Reduction</a:t>
-            </a:r>
-          </a:p>
-        </p:txBody>
-      </p:sp>
-      <p:sp>
-        <p:nvSpPr>
-          <p:cNvPr id="1057" name="Text Box 162"/>
-          <p:cNvSpPr txBox="1">
-            <a:spLocks noChangeArrowheads="1"/>
-          </p:cNvSpPr>
-          <p:nvPr/>
-        </p:nvSpPr>
-        <p:spPr bwMode="auto">
-          <a:xfrm>
-            <a:off x="11717867" y="11040533"/>
-            <a:ext cx="9618133" cy="858440"/>
-          </a:xfrm>
-          <a:prstGeom prst="rect">
-            <a:avLst/>
-          </a:prstGeom>
-          <a:solidFill>
-            <a:schemeClr val="bg1"/>
-          </a:solidFill>
-          <a:ln w="9525">
-            <a:solidFill>
-              <a:schemeClr val="bg1"/>
-            </a:solidFill>
-            <a:miter lim="800000"/>
-            <a:headEnd/>
-            <a:tailEnd/>
-          </a:ln>
-        </p:spPr>
-        <p:txBody>
-          <a:bodyPr lIns="162560" rIns="162560">
-            <a:spAutoFit/>
-          </a:bodyPr>
-          <a:lstStyle/>
-          <a:p>
-            <a:pPr algn="just">
-              <a:spcBef>
-                <a:spcPct val="50000"/>
-              </a:spcBef>
-            </a:pPr>
-            <a:r>
-              <a:rPr lang="en-US" sz="2489">
-                <a:solidFill>
-                  <a:srgbClr val="000062"/>
-                </a:solidFill>
-                <a:latin typeface="Arial" charset="0"/>
-              </a:rPr>
-              <a:t>Photographs and tables will look best on gray, cream or light-colored complimentary background.  </a:t>
-            </a:r>
+              <a:t>SHAP values – impact model</a:t>
+            </a:r>
+            <a:endParaRPr lang="en-US" dirty="0"/>
           </a:p>
         </p:txBody>
       </p:sp>
@@ -5908,203 +5678,17 @@
               </a:spcBef>
             </a:pPr>
             <a:r>
-              <a:rPr lang="en-US" sz="2844" b="1">
+              <a:rPr lang="en-US" sz="2844" b="1" dirty="0">
                 <a:solidFill>
                   <a:srgbClr val="990099"/>
                 </a:solidFill>
                 <a:latin typeface="Arial" charset="0"/>
               </a:rPr>
-              <a:t>Compound X decreased Tumor size</a:t>
-            </a:r>
-          </a:p>
-        </p:txBody>
-      </p:sp>
-      <p:graphicFrame>
-        <p:nvGraphicFramePr>
-          <p:cNvPr id="1026" name="Object 209"/>
-          <p:cNvGraphicFramePr>
-            <a:graphicFrameLocks noChangeAspect="1"/>
-          </p:cNvGraphicFramePr>
-          <p:nvPr/>
-        </p:nvGraphicFramePr>
-        <p:xfrm>
-          <a:off x="22352000" y="10837334"/>
-          <a:ext cx="9956800" cy="6918678"/>
-        </p:xfrm>
-        <a:graphic>
-          <a:graphicData uri="http://schemas.openxmlformats.org/presentationml/2006/ole">
-            <mc:AlternateContent xmlns:mc="http://schemas.openxmlformats.org/markup-compatibility/2006">
-              <mc:Choice xmlns:v="urn:schemas-microsoft-com:vml" Requires="v">
-                <p:oleObj spid="_x0000_s1026" name="Chart" r:id="rId4" imgW="5743956" imgH="3991254" progId="Excel.Chart.8">
-                  <p:embed/>
-                </p:oleObj>
-              </mc:Choice>
-              <mc:Fallback>
-                <p:oleObj name="Chart" r:id="rId4" imgW="5743956" imgH="3991254" progId="Excel.Chart.8">
-                  <p:embed/>
-                  <p:pic>
-                    <p:nvPicPr>
-                      <p:cNvPr id="0" name="Object 209"/>
-                      <p:cNvPicPr>
-                        <a:picLocks noChangeAspect="1" noChangeArrowheads="1"/>
-                      </p:cNvPicPr>
-                      <p:nvPr/>
-                    </p:nvPicPr>
-                    <p:blipFill>
-                      <a:blip r:embed="rId5">
-                        <a:extLst>
-                          <a:ext uri="{28A0092B-C50C-407E-A947-70E740481C1C}">
-                            <a14:useLocalDpi xmlns:a14="http://schemas.microsoft.com/office/drawing/2010/main" val="0"/>
-                          </a:ext>
-                        </a:extLst>
-                      </a:blip>
-                      <a:srcRect/>
-                      <a:stretch>
-                        <a:fillRect/>
-                      </a:stretch>
-                    </p:blipFill>
-                    <p:spPr bwMode="auto">
-                      <a:xfrm>
-                        <a:off x="22352000" y="10837334"/>
-                        <a:ext cx="9956800" cy="6918678"/>
-                      </a:xfrm>
-                      <a:prstGeom prst="rect">
-                        <a:avLst/>
-                      </a:prstGeom>
-                      <a:noFill/>
-                      <a:ln>
-                        <a:noFill/>
-                      </a:ln>
-                      <a:effectLst/>
-                      <a:extLst>
-                        <a:ext uri="{909E8E84-426E-40DD-AFC4-6F175D3DCCD1}">
-                          <a14:hiddenFill xmlns:a14="http://schemas.microsoft.com/office/drawing/2010/main">
-                            <a:solidFill>
-                              <a:schemeClr val="accent1"/>
-                            </a:solidFill>
-                          </a14:hiddenFill>
-                        </a:ext>
-                        <a:ext uri="{91240B29-F687-4F45-9708-019B960494DF}">
-                          <a14:hiddenLine xmlns:a14="http://schemas.microsoft.com/office/drawing/2010/main" w="9525">
-                            <a:solidFill>
-                              <a:schemeClr val="tx1"/>
-                            </a:solidFill>
-                            <a:miter lim="800000"/>
-                            <a:headEnd/>
-                            <a:tailEnd/>
-                          </a14:hiddenLine>
-                        </a:ext>
-                        <a:ext uri="{AF507438-7753-43E0-B8FC-AC1667EBCBE1}">
-                          <a14:hiddenEffects xmlns:a14="http://schemas.microsoft.com/office/drawing/2010/main">
-                            <a:effectLst>
-                              <a:outerShdw dist="35921" dir="2700000" algn="ctr" rotWithShape="0">
-                                <a:schemeClr val="bg2"/>
-                              </a:outerShdw>
-                            </a:effectLst>
-                          </a14:hiddenEffects>
-                        </a:ext>
-                      </a:extLst>
-                    </p:spPr>
-                  </p:pic>
-                </p:oleObj>
-              </mc:Fallback>
-            </mc:AlternateContent>
-          </a:graphicData>
-        </a:graphic>
-      </p:graphicFrame>
-      <p:graphicFrame>
-        <p:nvGraphicFramePr>
-          <p:cNvPr id="1027" name="Object 210"/>
-          <p:cNvGraphicFramePr>
-            <a:graphicFrameLocks noChangeAspect="1"/>
-          </p:cNvGraphicFramePr>
-          <p:nvPr/>
-        </p:nvGraphicFramePr>
-        <p:xfrm>
-          <a:off x="22352000" y="21200534"/>
-          <a:ext cx="9956800" cy="7024511"/>
-        </p:xfrm>
-        <a:graphic>
-          <a:graphicData uri="http://schemas.openxmlformats.org/presentationml/2006/ole">
-            <mc:AlternateContent xmlns:mc="http://schemas.openxmlformats.org/markup-compatibility/2006">
-              <mc:Choice xmlns:v="urn:schemas-microsoft-com:vml" Requires="v">
-                <p:oleObj spid="_x0000_s1027" name="Chart" r:id="rId6" imgW="6534531" imgH="4610608" progId="Excel.Chart.8">
-                  <p:embed/>
-                </p:oleObj>
-              </mc:Choice>
-              <mc:Fallback>
-                <p:oleObj name="Chart" r:id="rId6" imgW="6534531" imgH="4610608" progId="Excel.Chart.8">
-                  <p:embed/>
-                  <p:pic>
-                    <p:nvPicPr>
-                      <p:cNvPr id="0" name="Object 210"/>
-                      <p:cNvPicPr>
-                        <a:picLocks noChangeAspect="1" noChangeArrowheads="1"/>
-                      </p:cNvPicPr>
-                      <p:nvPr/>
-                    </p:nvPicPr>
-                    <p:blipFill>
-                      <a:blip r:embed="rId7">
-                        <a:extLst>
-                          <a:ext uri="{28A0092B-C50C-407E-A947-70E740481C1C}">
-                            <a14:useLocalDpi xmlns:a14="http://schemas.microsoft.com/office/drawing/2010/main" val="0"/>
-                          </a:ext>
-                        </a:extLst>
-                      </a:blip>
-                      <a:srcRect/>
-                      <a:stretch>
-                        <a:fillRect/>
-                      </a:stretch>
-                    </p:blipFill>
-                    <p:spPr bwMode="auto">
-                      <a:xfrm>
-                        <a:off x="22352000" y="21200534"/>
-                        <a:ext cx="9956800" cy="7024511"/>
-                      </a:xfrm>
-                      <a:prstGeom prst="rect">
-                        <a:avLst/>
-                      </a:prstGeom>
-                      <a:noFill/>
-                      <a:ln>
-                        <a:noFill/>
-                      </a:ln>
-                      <a:effectLst/>
-                      <a:extLst>
-                        <a:ext uri="{909E8E84-426E-40DD-AFC4-6F175D3DCCD1}">
-                          <a14:hiddenFill xmlns:a14="http://schemas.microsoft.com/office/drawing/2010/main">
-                            <a:solidFill>
-                              <a:schemeClr val="accent1"/>
-                            </a:solidFill>
-                          </a14:hiddenFill>
-                        </a:ext>
-                        <a:ext uri="{91240B29-F687-4F45-9708-019B960494DF}">
-                          <a14:hiddenLine xmlns:a14="http://schemas.microsoft.com/office/drawing/2010/main" w="9525">
-                            <a:solidFill>
-                              <a:schemeClr val="tx1"/>
-                            </a:solidFill>
-                            <a:miter lim="800000"/>
-                            <a:headEnd/>
-                            <a:tailEnd/>
-                          </a14:hiddenLine>
-                        </a:ext>
-                        <a:ext uri="{AF507438-7753-43E0-B8FC-AC1667EBCBE1}">
-                          <a14:hiddenEffects xmlns:a14="http://schemas.microsoft.com/office/drawing/2010/main">
-                            <a:effectLst>
-                              <a:outerShdw dist="35921" dir="2700000" algn="ctr" rotWithShape="0">
-                                <a:schemeClr val="bg2"/>
-                              </a:outerShdw>
-                            </a:effectLst>
-                          </a14:hiddenEffects>
-                        </a:ext>
-                      </a:extLst>
-                    </p:spPr>
-                  </p:pic>
-                </p:oleObj>
-              </mc:Fallback>
-            </mc:AlternateContent>
-          </a:graphicData>
-        </a:graphic>
-      </p:graphicFrame>
+              <a:t>Correlation Matrix for our F.E. metrics</a:t>
+            </a:r>
+          </a:p>
+        </p:txBody>
+      </p:sp>
       <p:sp>
         <p:nvSpPr>
           <p:cNvPr id="1060" name="Text Box 212"/>
@@ -6115,8 +5699,8 @@
         </p:nvSpPr>
         <p:spPr bwMode="auto">
           <a:xfrm>
-            <a:off x="33075096" y="9723968"/>
-            <a:ext cx="9889067" cy="4337791"/>
+            <a:off x="33075096" y="19088250"/>
+            <a:ext cx="9889067" cy="6438750"/>
           </a:xfrm>
           <a:prstGeom prst="rect">
             <a:avLst/>
@@ -6135,12 +5719,12 @@
           </a:bodyPr>
           <a:lstStyle/>
           <a:p>
-            <a:pPr algn="just">
+            <a:pPr marL="457200" indent="-457200" algn="just">
               <a:spcBef>
-                <a:spcPct val="20000"/>
+                <a:spcPct val="50000"/>
               </a:spcBef>
-              <a:buFont typeface="Wingdings" pitchFamily="2" charset="2"/>
-              <a:buChar char="Ø"/>
+              <a:buFont typeface="Arial" panose="020B0604020202020204" pitchFamily="34" charset="0"/>
+              <a:buChar char="•"/>
             </a:pPr>
             <a:r>
               <a:rPr lang="en-US" sz="2844" dirty="0">
@@ -6149,16 +5733,16 @@
                 </a:solidFill>
                 <a:latin typeface="Arial" charset="0"/>
               </a:rPr>
-              <a:t>Large.  </a:t>
-            </a:r>
-          </a:p>
-          <a:p>
-            <a:pPr algn="just">
+              <a:t>Socioeconomic and racial disparities significantly correlate with eviction risk.</a:t>
+            </a:r>
+          </a:p>
+          <a:p>
+            <a:pPr marL="457200" indent="-457200" algn="just">
               <a:spcBef>
-                <a:spcPct val="20000"/>
+                <a:spcPct val="50000"/>
               </a:spcBef>
-              <a:buFont typeface="Wingdings" pitchFamily="2" charset="2"/>
-              <a:buChar char="Ø"/>
+              <a:buFont typeface="Arial" panose="020B0604020202020204" pitchFamily="34" charset="0"/>
+              <a:buChar char="•"/>
             </a:pPr>
             <a:r>
               <a:rPr lang="en-US" sz="2844" dirty="0">
@@ -6167,16 +5751,16 @@
                 </a:solidFill>
                 <a:latin typeface="Arial" charset="0"/>
               </a:rPr>
-              <a:t>Bullet to stress.  </a:t>
-            </a:r>
-          </a:p>
-          <a:p>
-            <a:pPr algn="just">
+              <a:t>Even simple models can perpetuate bias if sensitive attributes are used.</a:t>
+            </a:r>
+          </a:p>
+          <a:p>
+            <a:pPr marL="457200" indent="-457200" algn="just">
               <a:spcBef>
-                <a:spcPct val="20000"/>
+                <a:spcPct val="50000"/>
               </a:spcBef>
-              <a:buFont typeface="Wingdings" pitchFamily="2" charset="2"/>
-              <a:buChar char="Ø"/>
+              <a:buFont typeface="Arial" panose="020B0604020202020204" pitchFamily="34" charset="0"/>
+              <a:buChar char="•"/>
             </a:pPr>
             <a:r>
               <a:rPr lang="en-US" sz="2844" dirty="0">
@@ -6185,16 +5769,16 @@
                 </a:solidFill>
                 <a:latin typeface="Arial" charset="0"/>
               </a:rPr>
-              <a:t>Few words.  Some people read only this.  </a:t>
-            </a:r>
-          </a:p>
-          <a:p>
-            <a:pPr algn="just">
+              <a:t>Transparent model interpretation is key to fair housing analytics.</a:t>
+            </a:r>
+          </a:p>
+          <a:p>
+            <a:pPr marL="457200" indent="-457200" algn="just">
               <a:spcBef>
-                <a:spcPct val="20000"/>
+                <a:spcPct val="50000"/>
               </a:spcBef>
-              <a:buFont typeface="Wingdings" pitchFamily="2" charset="2"/>
-              <a:buChar char="Ø"/>
+              <a:buFont typeface="Arial" panose="020B0604020202020204" pitchFamily="34" charset="0"/>
+              <a:buChar char="•"/>
             </a:pPr>
             <a:r>
               <a:rPr lang="en-US" sz="2844" dirty="0">
@@ -6203,61 +5787,23 @@
                 </a:solidFill>
                 <a:latin typeface="Arial" charset="0"/>
               </a:rPr>
-              <a:t>Tie back to real world problem brought up in introduction   </a:t>
+              <a:t>Geospatial visualization is a powerful tool to guide policy and intervention.</a:t>
             </a:r>
           </a:p>
           <a:p>
             <a:pPr algn="just">
               <a:spcBef>
-                <a:spcPct val="20000"/>
+                <a:spcPct val="50000"/>
               </a:spcBef>
-              <a:buFont typeface="Wingdings" pitchFamily="2" charset="2"/>
-              <a:buChar char="Ø"/>
-            </a:pPr>
-            <a:r>
-              <a:rPr lang="en-US" sz="2844" dirty="0">
+            </a:pPr>
+            <a:r>
+              <a:rPr lang="en-US" sz="2844" b="1" dirty="0">
                 <a:solidFill>
                   <a:srgbClr val="000099"/>
                 </a:solidFill>
                 <a:latin typeface="Arial" charset="0"/>
               </a:rPr>
-              <a:t> VERY briefly summarize results.</a:t>
-            </a:r>
-          </a:p>
-          <a:p>
-            <a:pPr algn="just">
-              <a:spcBef>
-                <a:spcPct val="20000"/>
-              </a:spcBef>
-              <a:buFont typeface="Wingdings" pitchFamily="2" charset="2"/>
-              <a:buChar char="Ø"/>
-            </a:pPr>
-            <a:r>
-              <a:rPr lang="en-US" sz="2844" dirty="0">
-                <a:solidFill>
-                  <a:srgbClr val="000099"/>
-                </a:solidFill>
-                <a:latin typeface="Arial" charset="0"/>
-              </a:rPr>
-              <a:t> How did your hypothesis work out? </a:t>
-            </a:r>
-          </a:p>
-          <a:p>
-            <a:pPr algn="just">
-              <a:spcBef>
-                <a:spcPct val="20000"/>
-              </a:spcBef>
-              <a:buFont typeface="Wingdings" pitchFamily="2" charset="2"/>
-              <a:buChar char="Ø"/>
-            </a:pPr>
-            <a:r>
-              <a:rPr lang="en-US" sz="2844" dirty="0">
-                <a:solidFill>
-                  <a:srgbClr val="000099"/>
-                </a:solidFill>
-                <a:latin typeface="Arial" charset="0"/>
-              </a:rPr>
-              <a:t> Why was your finding important?</a:t>
+              <a:t>Communities of color and economically vulnerable areas face the greatest eviction risks—ethical AI must mitigate, not amplify, these patterns.</a:t>
             </a:r>
           </a:p>
           <a:p>
@@ -6275,116 +5821,6 @@
           </a:p>
         </p:txBody>
       </p:sp>
-      <p:sp>
-        <p:nvSpPr>
-          <p:cNvPr id="1061" name="Line 213"/>
-          <p:cNvSpPr>
-            <a:spLocks noChangeShapeType="1"/>
-          </p:cNvSpPr>
-          <p:nvPr/>
-        </p:nvSpPr>
-        <p:spPr bwMode="auto">
-          <a:xfrm flipH="1" flipV="1">
-            <a:off x="31631467" y="20794133"/>
-            <a:ext cx="1557867" cy="2235200"/>
-          </a:xfrm>
-          <a:prstGeom prst="line">
-            <a:avLst/>
-          </a:prstGeom>
-          <a:noFill/>
-          <a:ln w="155575">
-            <a:solidFill>
-              <a:srgbClr val="FF00FF"/>
-            </a:solidFill>
-            <a:round/>
-            <a:headEnd/>
-            <a:tailEnd type="triangle" w="med" len="med"/>
-          </a:ln>
-        </p:spPr>
-        <p:txBody>
-          <a:bodyPr/>
-          <a:lstStyle/>
-          <a:p>
-            <a:endParaRPr lang="en-US" sz="2133"/>
-          </a:p>
-        </p:txBody>
-      </p:sp>
-      <p:sp>
-        <p:nvSpPr>
-          <p:cNvPr id="1062" name="Text Box 215"/>
-          <p:cNvSpPr txBox="1">
-            <a:spLocks noChangeArrowheads="1"/>
-          </p:cNvSpPr>
-          <p:nvPr/>
-        </p:nvSpPr>
-        <p:spPr bwMode="auto">
-          <a:xfrm>
-            <a:off x="33245778" y="18631605"/>
-            <a:ext cx="9956800" cy="475387"/>
-          </a:xfrm>
-          <a:prstGeom prst="rect">
-            <a:avLst/>
-          </a:prstGeom>
-          <a:noFill/>
-          <a:ln w="63500">
-            <a:noFill/>
-            <a:miter lim="800000"/>
-            <a:headEnd/>
-            <a:tailEnd/>
-          </a:ln>
-        </p:spPr>
-        <p:txBody>
-          <a:bodyPr lIns="162560" rIns="162560">
-            <a:spAutoFit/>
-          </a:bodyPr>
-          <a:lstStyle/>
-          <a:p>
-            <a:pPr algn="just">
-              <a:spcBef>
-                <a:spcPct val="50000"/>
-              </a:spcBef>
-            </a:pPr>
-            <a:r>
-              <a:rPr lang="en-US" sz="2489">
-                <a:latin typeface="Arial" charset="0"/>
-              </a:rPr>
-              <a:t>Are required -  Standard Format. Can make smaller if needed</a:t>
-            </a:r>
-          </a:p>
-        </p:txBody>
-      </p:sp>
-      <p:pic>
-        <p:nvPicPr>
-          <p:cNvPr id="1063" name="Picture 218" descr="mousediagram"/>
-          <p:cNvPicPr>
-            <a:picLocks noChangeAspect="1" noChangeArrowheads="1"/>
-          </p:cNvPicPr>
-          <p:nvPr/>
-        </p:nvPicPr>
-        <p:blipFill>
-          <a:blip r:embed="rId8" cstate="print"/>
-          <a:srcRect/>
-          <a:stretch>
-            <a:fillRect/>
-          </a:stretch>
-        </p:blipFill>
-        <p:spPr bwMode="auto">
-          <a:xfrm>
-            <a:off x="11717867" y="12056534"/>
-            <a:ext cx="4876800" cy="6932789"/>
-          </a:xfrm>
-          <a:prstGeom prst="rect">
-            <a:avLst/>
-          </a:prstGeom>
-          <a:noFill/>
-          <a:ln w="9525">
-            <a:noFill/>
-            <a:miter lim="800000"/>
-            <a:headEnd/>
-            <a:tailEnd/>
-          </a:ln>
-        </p:spPr>
-      </p:pic>
       <p:sp>
         <p:nvSpPr>
           <p:cNvPr id="1064" name="Text Box 220"/>
@@ -6436,8 +5872,8 @@
         </p:nvSpPr>
         <p:spPr bwMode="auto">
           <a:xfrm>
-            <a:off x="16797867" y="12124267"/>
-            <a:ext cx="4673600" cy="6841067"/>
+            <a:off x="16486893" y="15612536"/>
+            <a:ext cx="4673600" cy="6918678"/>
           </a:xfrm>
           <a:prstGeom prst="rect">
             <a:avLst/>
@@ -6458,11 +5894,149 @@
           <a:p>
             <a:pPr algn="just"/>
             <a:r>
-              <a:rPr lang="en-US" sz="2133">
+              <a:rPr lang="en-US" sz="2133" b="1" dirty="0">
                 <a:latin typeface="Arial" charset="0"/>
               </a:rPr>
-              <a:t>Figure 1.  Protocol.  Tumor cells were obtained from ______________ and cultured.  1 million cells were injected IP into an immune deficient mouse (which).  After __________.  There should be more words here as well, so that you don’t end up with a horrible white gap in your poster.  Enlarge/resize until all space is filled up very cleanly and neatly.  </a:t>
-            </a:r>
+              <a:t>Figure 1.  </a:t>
+            </a:r>
+            <a:r>
+              <a:rPr lang="en-US" sz="2133" dirty="0">
+                <a:latin typeface="Arial" charset="0"/>
+              </a:rPr>
+              <a:t>Data Pipeline.  Image created to illustrated the data processing for this work.  </a:t>
+            </a:r>
+          </a:p>
+          <a:p>
+            <a:pPr algn="just"/>
+            <a:r>
+              <a:rPr lang="en-US" sz="2133" b="1" dirty="0">
+                <a:latin typeface="Arial" charset="0"/>
+              </a:rPr>
+              <a:t>Data Sources:</a:t>
+            </a:r>
+          </a:p>
+          <a:p>
+            <a:pPr marL="342900" indent="-342900" algn="just">
+              <a:buFont typeface="Arial" panose="020B0604020202020204" pitchFamily="34" charset="0"/>
+              <a:buChar char="•"/>
+            </a:pPr>
+            <a:r>
+              <a:rPr lang="en-US" sz="2133" dirty="0">
+                <a:latin typeface="Arial" charset="0"/>
+              </a:rPr>
+              <a:t>Eviction Lab: Monthly eviction filings (2020–2023)</a:t>
+            </a:r>
+          </a:p>
+          <a:p>
+            <a:pPr marL="342900" indent="-342900" algn="just">
+              <a:buFont typeface="Arial" panose="020B0604020202020204" pitchFamily="34" charset="0"/>
+              <a:buChar char="•"/>
+            </a:pPr>
+            <a:r>
+              <a:rPr lang="en-US" sz="2133" dirty="0">
+                <a:latin typeface="Arial" charset="0"/>
+              </a:rPr>
+              <a:t>US Census ACS 5-Year Estimates: Socioeconomic indicators (2017–2023)</a:t>
+            </a:r>
+          </a:p>
+          <a:p>
+            <a:pPr algn="just"/>
+            <a:r>
+              <a:rPr lang="en-US" sz="2133" b="1" dirty="0">
+                <a:latin typeface="Arial" charset="0"/>
+              </a:rPr>
+              <a:t>Preprocessing:</a:t>
+            </a:r>
+          </a:p>
+          <a:p>
+            <a:pPr algn="just"/>
+            <a:r>
+              <a:rPr lang="en-US" sz="2133" dirty="0">
+                <a:latin typeface="Arial" charset="0"/>
+              </a:rPr>
+              <a:t>Standardized tract-level, missing data and harmonized column names</a:t>
+            </a:r>
+          </a:p>
+          <a:p>
+            <a:pPr algn="just"/>
+            <a:r>
+              <a:rPr lang="en-US" sz="2133" b="1" dirty="0">
+                <a:latin typeface="Arial" charset="0"/>
+              </a:rPr>
+              <a:t>Feature Engineering:</a:t>
+            </a:r>
+          </a:p>
+          <a:p>
+            <a:pPr marL="342900" indent="-342900" algn="just">
+              <a:buFont typeface="Arial" panose="020B0604020202020204" pitchFamily="34" charset="0"/>
+              <a:buChar char="•"/>
+            </a:pPr>
+            <a:r>
+              <a:rPr lang="en-US" sz="2133" dirty="0">
+                <a:latin typeface="Arial" charset="0"/>
+              </a:rPr>
+              <a:t>% uninsured, </a:t>
+            </a:r>
+          </a:p>
+          <a:p>
+            <a:pPr marL="342900" indent="-342900" algn="just">
+              <a:buFont typeface="Arial" panose="020B0604020202020204" pitchFamily="34" charset="0"/>
+              <a:buChar char="•"/>
+            </a:pPr>
+            <a:r>
+              <a:rPr lang="en-US" sz="2133" dirty="0">
+                <a:latin typeface="Arial" charset="0"/>
+              </a:rPr>
+              <a:t>% poverty, </a:t>
+            </a:r>
+          </a:p>
+          <a:p>
+            <a:pPr marL="342900" indent="-342900" algn="just">
+              <a:buFont typeface="Arial" panose="020B0604020202020204" pitchFamily="34" charset="0"/>
+              <a:buChar char="•"/>
+            </a:pPr>
+            <a:r>
+              <a:rPr lang="en-US" sz="2133" dirty="0">
+                <a:latin typeface="Arial" charset="0"/>
+              </a:rPr>
+              <a:t>% Black/Hispanic</a:t>
+            </a:r>
+          </a:p>
+          <a:p>
+            <a:pPr marL="342900" indent="-342900" algn="just">
+              <a:buFont typeface="Arial" panose="020B0604020202020204" pitchFamily="34" charset="0"/>
+              <a:buChar char="•"/>
+            </a:pPr>
+            <a:r>
+              <a:rPr lang="en-US" sz="2133" dirty="0">
+                <a:latin typeface="Arial" charset="0"/>
+              </a:rPr>
+              <a:t>% renters</a:t>
+            </a:r>
+          </a:p>
+          <a:p>
+            <a:pPr algn="just"/>
+            <a:r>
+              <a:rPr lang="en-US" sz="2133" b="1" dirty="0">
+                <a:latin typeface="Arial" charset="0"/>
+              </a:rPr>
+              <a:t>Bias Assessment:</a:t>
+            </a:r>
+          </a:p>
+          <a:p>
+            <a:pPr algn="just"/>
+            <a:r>
+              <a:rPr lang="en-US" sz="2133" dirty="0">
+                <a:latin typeface="Arial" charset="0"/>
+              </a:rPr>
+              <a:t>Explored correlation of demographic attributes with eviction rates</a:t>
+            </a:r>
+          </a:p>
+          <a:p>
+            <a:pPr algn="just"/>
+            <a:endParaRPr lang="en-US" sz="2133" dirty="0">
+              <a:latin typeface="Arial" charset="0"/>
+            </a:endParaRPr>
           </a:p>
         </p:txBody>
       </p:sp>
@@ -6476,7 +6050,7 @@
         </p:nvSpPr>
         <p:spPr bwMode="auto">
           <a:xfrm>
-            <a:off x="33245778" y="24180800"/>
+            <a:off x="33147000" y="28530169"/>
             <a:ext cx="9750778" cy="812800"/>
           </a:xfrm>
           <a:prstGeom prst="roundRect">
@@ -6536,62 +6110,14 @@
       </p:sp>
       <p:sp>
         <p:nvSpPr>
-          <p:cNvPr id="1067" name="Text Box 150"/>
-          <p:cNvSpPr txBox="1">
-            <a:spLocks noChangeArrowheads="1"/>
-          </p:cNvSpPr>
-          <p:nvPr/>
-        </p:nvSpPr>
-        <p:spPr bwMode="auto">
-          <a:xfrm>
-            <a:off x="28786667" y="21336000"/>
-            <a:ext cx="9889067" cy="2062296"/>
-          </a:xfrm>
-          <a:prstGeom prst="rect">
-            <a:avLst/>
-          </a:prstGeom>
-          <a:solidFill>
-            <a:schemeClr val="bg1"/>
-          </a:solidFill>
-          <a:ln w="88900">
-            <a:solidFill>
-              <a:srgbClr val="FF00FF"/>
-            </a:solidFill>
-            <a:miter lim="800000"/>
-            <a:headEnd/>
-            <a:tailEnd/>
-          </a:ln>
-        </p:spPr>
-        <p:txBody>
-          <a:bodyPr lIns="162560" rIns="162560">
-            <a:spAutoFit/>
-          </a:bodyPr>
-          <a:lstStyle/>
-          <a:p>
-            <a:pPr algn="just">
-              <a:spcBef>
-                <a:spcPct val="50000"/>
-              </a:spcBef>
-            </a:pPr>
-            <a:r>
-              <a:rPr lang="en-US" sz="4267" b="1">
-                <a:latin typeface="Arial" charset="0"/>
-              </a:rPr>
-              <a:t>In this column, items are positioned horizontally, 27.5” from the top left corner</a:t>
-            </a:r>
-          </a:p>
-        </p:txBody>
-      </p:sp>
-      <p:sp>
-        <p:nvSpPr>
           <p:cNvPr id="68" name="TextBox 67"/>
           <p:cNvSpPr txBox="1"/>
           <p:nvPr/>
         </p:nvSpPr>
         <p:spPr>
           <a:xfrm>
-            <a:off x="16500078" y="6451441"/>
-            <a:ext cx="13210910" cy="1077218"/>
+            <a:off x="15500326" y="6399063"/>
+            <a:ext cx="14979674" cy="1077218"/>
           </a:xfrm>
           <a:prstGeom prst="rect">
             <a:avLst/>
@@ -6619,7 +6145,7 @@
                 <a:latin typeface="Verdana" pitchFamily="34" charset="0"/>
                 <a:cs typeface="Arial" pitchFamily="34" charset="0"/>
               </a:rPr>
-              <a:t>Your Name and Dr. Your Mentor</a:t>
+              <a:t>Israel Vargas and Dr. Maryam Tabar</a:t>
             </a:r>
           </a:p>
         </p:txBody>
@@ -6762,97 +6288,15 @@
       </p:sp>
       <p:sp>
         <p:nvSpPr>
-          <p:cNvPr id="1077" name="Line 213"/>
-          <p:cNvSpPr>
-            <a:spLocks noChangeShapeType="1"/>
+          <p:cNvPr id="66" name="AutoShape 25"/>
+          <p:cNvSpPr>
+            <a:spLocks noChangeArrowheads="1"/>
           </p:cNvSpPr>
           <p:nvPr/>
         </p:nvSpPr>
         <p:spPr bwMode="auto">
           <a:xfrm>
-            <a:off x="32105600" y="12598400"/>
-            <a:ext cx="1219200" cy="1286933"/>
-          </a:xfrm>
-          <a:prstGeom prst="line">
-            <a:avLst/>
-          </a:prstGeom>
-          <a:noFill/>
-          <a:ln w="155575">
-            <a:solidFill>
-              <a:srgbClr val="FF00FF"/>
-            </a:solidFill>
-            <a:round/>
-            <a:headEnd/>
-            <a:tailEnd type="triangle" w="med" len="med"/>
-          </a:ln>
-        </p:spPr>
-        <p:txBody>
-          <a:bodyPr/>
-          <a:lstStyle/>
-          <a:p>
-            <a:endParaRPr lang="en-US" sz="2133"/>
-          </a:p>
-        </p:txBody>
-      </p:sp>
-      <p:sp>
-        <p:nvSpPr>
-          <p:cNvPr id="1078" name="Text Box 150"/>
-          <p:cNvSpPr txBox="1">
-            <a:spLocks noChangeArrowheads="1"/>
-          </p:cNvSpPr>
-          <p:nvPr/>
-        </p:nvSpPr>
-        <p:spPr bwMode="auto">
-          <a:xfrm>
-            <a:off x="26483733" y="12530667"/>
-            <a:ext cx="5825067" cy="1405385"/>
-          </a:xfrm>
-          <a:prstGeom prst="rect">
-            <a:avLst/>
-          </a:prstGeom>
-          <a:solidFill>
-            <a:schemeClr val="bg1"/>
-          </a:solidFill>
-          <a:ln w="88900">
-            <a:solidFill>
-              <a:srgbClr val="FF00FF"/>
-            </a:solidFill>
-            <a:miter lim="800000"/>
-            <a:headEnd/>
-            <a:tailEnd/>
-          </a:ln>
-        </p:spPr>
-        <p:txBody>
-          <a:bodyPr lIns="162560" rIns="162560">
-            <a:spAutoFit/>
-          </a:bodyPr>
-          <a:lstStyle/>
-          <a:p>
-            <a:pPr algn="just">
-              <a:spcBef>
-                <a:spcPct val="50000"/>
-              </a:spcBef>
-            </a:pPr>
-            <a:r>
-              <a:rPr lang="en-US" sz="2844" b="1">
-                <a:latin typeface="Arial" charset="0"/>
-              </a:rPr>
-              <a:t>Expand and contract components until gaps are minimalized</a:t>
-            </a:r>
-          </a:p>
-        </p:txBody>
-      </p:sp>
-      <p:sp>
-        <p:nvSpPr>
-          <p:cNvPr id="66" name="AutoShape 25"/>
-          <p:cNvSpPr>
-            <a:spLocks noChangeArrowheads="1"/>
-          </p:cNvSpPr>
-          <p:nvPr/>
-        </p:nvSpPr>
-        <p:spPr bwMode="auto">
-          <a:xfrm>
-            <a:off x="903112" y="21911733"/>
+            <a:off x="990600" y="23266400"/>
             <a:ext cx="9750778" cy="812800"/>
           </a:xfrm>
           <a:prstGeom prst="roundRect">
@@ -6916,7 +6360,7 @@
           <p:nvPr/>
         </p:nvPicPr>
         <p:blipFill>
-          <a:blip r:embed="rId9" cstate="print">
+          <a:blip r:embed="rId4" cstate="print">
             <a:extLst>
               <a:ext uri="{28A0092B-C50C-407E-A947-70E740481C1C}">
                 <a14:useLocalDpi xmlns:a14="http://schemas.microsoft.com/office/drawing/2010/main" val="0"/>
@@ -7046,7 +6490,7 @@
           <p:nvPr/>
         </p:nvPicPr>
         <p:blipFill>
-          <a:blip r:embed="rId10" cstate="print">
+          <a:blip r:embed="rId5" cstate="print">
             <a:extLst>
               <a:ext uri="{28A0092B-C50C-407E-A947-70E740481C1C}">
                 <a14:useLocalDpi xmlns:a14="http://schemas.microsoft.com/office/drawing/2010/main" val="0"/>
@@ -7065,6 +6509,323 @@
           <a:prstGeom prst="rect">
             <a:avLst/>
           </a:prstGeom>
+        </p:spPr>
+      </p:pic>
+      <p:sp>
+        <p:nvSpPr>
+          <p:cNvPr id="2" name="Text Box 178">
+            <a:extLst>
+              <a:ext uri="{FF2B5EF4-FFF2-40B4-BE49-F238E27FC236}">
+                <a16:creationId xmlns:a16="http://schemas.microsoft.com/office/drawing/2014/main" id="{73FD54D0-9183-8977-926A-BDF4B870E1B0}"/>
+              </a:ext>
+            </a:extLst>
+          </p:cNvPr>
+          <p:cNvSpPr txBox="1">
+            <a:spLocks noChangeArrowheads="1"/>
+          </p:cNvSpPr>
+          <p:nvPr/>
+        </p:nvSpPr>
+        <p:spPr bwMode="auto">
+          <a:xfrm>
+            <a:off x="1027288" y="24256756"/>
+            <a:ext cx="9889067" cy="6604244"/>
+          </a:xfrm>
+          <a:prstGeom prst="rect">
+            <a:avLst/>
+          </a:prstGeom>
+          <a:noFill/>
+          <a:ln w="63500">
+            <a:noFill/>
+            <a:miter lim="800000"/>
+            <a:headEnd/>
+            <a:tailEnd/>
+          </a:ln>
+        </p:spPr>
+        <p:txBody>
+          <a:bodyPr lIns="162560" rIns="162560">
+            <a:spAutoFit/>
+          </a:bodyPr>
+          <a:lstStyle/>
+          <a:p>
+            <a:pPr algn="just">
+              <a:spcBef>
+                <a:spcPct val="50000"/>
+              </a:spcBef>
+            </a:pPr>
+            <a:r>
+              <a:rPr lang="en-US" sz="2489" dirty="0">
+                <a:latin typeface="Arial" charset="0"/>
+              </a:rPr>
+              <a:t>Matthew Desmond’s work has highlighted eviction as a systemic racial and economic injustice, not merely a result of individual financial hardship2.</a:t>
+            </a:r>
+          </a:p>
+          <a:p>
+            <a:pPr algn="just">
+              <a:spcBef>
+                <a:spcPct val="50000"/>
+              </a:spcBef>
+            </a:pPr>
+            <a:r>
+              <a:rPr lang="en-US" sz="2489" dirty="0">
+                <a:latin typeface="Arial" charset="0"/>
+              </a:rPr>
+              <a:t>The Eviction Lab has enabled national-level tracking of eviction trends, yet localized studies at the census tract level remain limited, especially in Texas, a state with rapid urban growth and deep structural disparities4.</a:t>
+            </a:r>
+          </a:p>
+          <a:p>
+            <a:pPr algn="just">
+              <a:spcBef>
+                <a:spcPct val="50000"/>
+              </a:spcBef>
+            </a:pPr>
+            <a:r>
+              <a:rPr lang="en-US" sz="2489" dirty="0">
+                <a:latin typeface="Arial" charset="0"/>
+              </a:rPr>
+              <a:t>There is growing concern that predictive models in housing risk assessment can encode and amplify racial bias if socio-demographic features are used without transparency and fairness checks5.</a:t>
+            </a:r>
+          </a:p>
+          <a:p>
+            <a:pPr algn="just">
+              <a:spcBef>
+                <a:spcPct val="50000"/>
+              </a:spcBef>
+            </a:pPr>
+            <a:r>
+              <a:rPr lang="en-US" sz="2489" dirty="0">
+                <a:latin typeface="Arial" charset="0"/>
+              </a:rPr>
+              <a:t>This study addresses that gap by integrating geospatial data, socioeconomic indicators, and ethical modeling to assess eviction disparities in Texas communities.</a:t>
+            </a:r>
+          </a:p>
+          <a:p>
+            <a:pPr algn="just">
+              <a:spcBef>
+                <a:spcPct val="50000"/>
+              </a:spcBef>
+            </a:pPr>
+            <a:endParaRPr lang="en-US" sz="2489" dirty="0">
+              <a:latin typeface="Arial" charset="0"/>
+            </a:endParaRPr>
+          </a:p>
+        </p:txBody>
+      </p:sp>
+      <p:pic>
+        <p:nvPicPr>
+          <p:cNvPr id="4" name="Picture 3">
+            <a:extLst>
+              <a:ext uri="{FF2B5EF4-FFF2-40B4-BE49-F238E27FC236}">
+                <a16:creationId xmlns:a16="http://schemas.microsoft.com/office/drawing/2014/main" id="{559467DA-4989-0EC8-23DF-33EF26D5D70F}"/>
+              </a:ext>
+            </a:extLst>
+          </p:cNvPr>
+          <p:cNvPicPr>
+            <a:picLocks noChangeAspect="1"/>
+          </p:cNvPicPr>
+          <p:nvPr/>
+        </p:nvPicPr>
+        <p:blipFill>
+          <a:blip r:embed="rId6"/>
+          <a:stretch>
+            <a:fillRect/>
+          </a:stretch>
+        </p:blipFill>
+        <p:spPr>
+          <a:xfrm>
+            <a:off x="11805357" y="15725336"/>
+            <a:ext cx="4434858" cy="6441875"/>
+          </a:xfrm>
+          <a:prstGeom prst="rect">
+            <a:avLst/>
+          </a:prstGeom>
+        </p:spPr>
+      </p:pic>
+      <p:pic>
+        <p:nvPicPr>
+          <p:cNvPr id="1029" name="Picture 5">
+            <a:extLst>
+              <a:ext uri="{FF2B5EF4-FFF2-40B4-BE49-F238E27FC236}">
+                <a16:creationId xmlns:a16="http://schemas.microsoft.com/office/drawing/2014/main" id="{BD42DF31-58AD-4DF1-E215-FFBDF92644A9}"/>
+              </a:ext>
+            </a:extLst>
+          </p:cNvPr>
+          <p:cNvPicPr>
+            <a:picLocks noChangeAspect="1" noChangeArrowheads="1"/>
+          </p:cNvPicPr>
+          <p:nvPr/>
+        </p:nvPicPr>
+        <p:blipFill>
+          <a:blip r:embed="rId7">
+            <a:extLst>
+              <a:ext uri="{28A0092B-C50C-407E-A947-70E740481C1C}">
+                <a14:useLocalDpi xmlns:a14="http://schemas.microsoft.com/office/drawing/2010/main" val="0"/>
+              </a:ext>
+            </a:extLst>
+          </a:blip>
+          <a:srcRect/>
+          <a:stretch>
+            <a:fillRect/>
+          </a:stretch>
+        </p:blipFill>
+        <p:spPr bwMode="auto">
+          <a:xfrm>
+            <a:off x="11477715" y="28588529"/>
+            <a:ext cx="9525000" cy="3922059"/>
+          </a:xfrm>
+          <a:prstGeom prst="rect">
+            <a:avLst/>
+          </a:prstGeom>
+          <a:noFill/>
+          <a:extLst>
+            <a:ext uri="{909E8E84-426E-40DD-AFC4-6F175D3DCCD1}">
+              <a14:hiddenFill xmlns:a14="http://schemas.microsoft.com/office/drawing/2010/main">
+                <a:solidFill>
+                  <a:srgbClr val="FFFFFF"/>
+                </a:solidFill>
+              </a14:hiddenFill>
+            </a:ext>
+          </a:extLst>
+        </p:spPr>
+      </p:pic>
+      <p:pic>
+        <p:nvPicPr>
+          <p:cNvPr id="1031" name="Picture 7">
+            <a:extLst>
+              <a:ext uri="{FF2B5EF4-FFF2-40B4-BE49-F238E27FC236}">
+                <a16:creationId xmlns:a16="http://schemas.microsoft.com/office/drawing/2014/main" id="{8B77D252-4413-90B0-3C47-5AC17D041A54}"/>
+              </a:ext>
+            </a:extLst>
+          </p:cNvPr>
+          <p:cNvPicPr>
+            <a:picLocks noChangeAspect="1" noChangeArrowheads="1"/>
+          </p:cNvPicPr>
+          <p:nvPr/>
+        </p:nvPicPr>
+        <p:blipFill>
+          <a:blip r:embed="rId8">
+            <a:extLst>
+              <a:ext uri="{28A0092B-C50C-407E-A947-70E740481C1C}">
+                <a14:useLocalDpi xmlns:a14="http://schemas.microsoft.com/office/drawing/2010/main" val="0"/>
+              </a:ext>
+            </a:extLst>
+          </a:blip>
+          <a:srcRect/>
+          <a:stretch>
+            <a:fillRect/>
+          </a:stretch>
+        </p:blipFill>
+        <p:spPr bwMode="auto">
+          <a:xfrm>
+            <a:off x="22589772" y="10663232"/>
+            <a:ext cx="8592984" cy="7175959"/>
+          </a:xfrm>
+          <a:prstGeom prst="rect">
+            <a:avLst/>
+          </a:prstGeom>
+          <a:noFill/>
+          <a:extLst>
+            <a:ext uri="{909E8E84-426E-40DD-AFC4-6F175D3DCCD1}">
+              <a14:hiddenFill xmlns:a14="http://schemas.microsoft.com/office/drawing/2010/main">
+                <a:solidFill>
+                  <a:srgbClr val="FFFFFF"/>
+                </a:solidFill>
+              </a14:hiddenFill>
+            </a:ext>
+          </a:extLst>
+        </p:spPr>
+      </p:pic>
+      <p:pic>
+        <p:nvPicPr>
+          <p:cNvPr id="1035" name="Picture 11">
+            <a:extLst>
+              <a:ext uri="{FF2B5EF4-FFF2-40B4-BE49-F238E27FC236}">
+                <a16:creationId xmlns:a16="http://schemas.microsoft.com/office/drawing/2014/main" id="{03F97867-993B-5787-B38B-8806F9380332}"/>
+              </a:ext>
+            </a:extLst>
+          </p:cNvPr>
+          <p:cNvPicPr>
+            <a:picLocks noChangeAspect="1" noChangeArrowheads="1"/>
+          </p:cNvPicPr>
+          <p:nvPr/>
+        </p:nvPicPr>
+        <p:blipFill>
+          <a:blip r:embed="rId9">
+            <a:extLst>
+              <a:ext uri="{28A0092B-C50C-407E-A947-70E740481C1C}">
+                <a14:useLocalDpi xmlns:a14="http://schemas.microsoft.com/office/drawing/2010/main" val="0"/>
+              </a:ext>
+            </a:extLst>
+          </a:blip>
+          <a:srcRect/>
+          <a:stretch>
+            <a:fillRect/>
+          </a:stretch>
+        </p:blipFill>
+        <p:spPr bwMode="auto">
+          <a:xfrm>
+            <a:off x="22440900" y="21107400"/>
+            <a:ext cx="9867900" cy="4826000"/>
+          </a:xfrm>
+          <a:prstGeom prst="rect">
+            <a:avLst/>
+          </a:prstGeom>
+          <a:noFill/>
+          <a:extLst>
+            <a:ext uri="{909E8E84-426E-40DD-AFC4-6F175D3DCCD1}">
+              <a14:hiddenFill xmlns:a14="http://schemas.microsoft.com/office/drawing/2010/main">
+                <a:solidFill>
+                  <a:srgbClr val="FFFFFF"/>
+                </a:solidFill>
+              </a14:hiddenFill>
+            </a:ext>
+          </a:extLst>
+        </p:spPr>
+      </p:pic>
+      <p:pic>
+        <p:nvPicPr>
+          <p:cNvPr id="5" name="Picture 13">
+            <a:extLst>
+              <a:ext uri="{FF2B5EF4-FFF2-40B4-BE49-F238E27FC236}">
+                <a16:creationId xmlns:a16="http://schemas.microsoft.com/office/drawing/2014/main" id="{930942B6-9C9B-2D0B-D353-37514F6BBB70}"/>
+              </a:ext>
+            </a:extLst>
+          </p:cNvPr>
+          <p:cNvPicPr>
+            <a:picLocks noChangeAspect="1" noChangeArrowheads="1"/>
+          </p:cNvPicPr>
+          <p:nvPr/>
+        </p:nvPicPr>
+        <p:blipFill>
+          <a:blip r:embed="rId10">
+            <a:extLst>
+              <a:ext uri="{28A0092B-C50C-407E-A947-70E740481C1C}">
+                <a14:useLocalDpi xmlns:a14="http://schemas.microsoft.com/office/drawing/2010/main" val="0"/>
+              </a:ext>
+            </a:extLst>
+          </a:blip>
+          <a:srcRect/>
+          <a:stretch>
+            <a:fillRect/>
+          </a:stretch>
+        </p:blipFill>
+        <p:spPr bwMode="auto">
+          <a:xfrm>
+            <a:off x="31603245" y="9482667"/>
+            <a:ext cx="12100495" cy="6258345"/>
+          </a:xfrm>
+          <a:prstGeom prst="rect">
+            <a:avLst/>
+          </a:prstGeom>
+          <a:noFill/>
+          <a:extLst>
+            <a:ext uri="{909E8E84-426E-40DD-AFC4-6F175D3DCCD1}">
+              <a14:hiddenFill xmlns:a14="http://schemas.microsoft.com/office/drawing/2010/main">
+                <a:solidFill>
+                  <a:srgbClr val="FFFFFF"/>
+                </a:solidFill>
+              </a14:hiddenFill>
+            </a:ext>
+          </a:extLst>
         </p:spPr>
       </p:pic>
     </p:spTree>
@@ -8164,6 +7925,18 @@
 </file>
 
 <file path=customXml/item2.xml><?xml version="1.0" encoding="utf-8"?>
+<p:properties xmlns:p="http://schemas.microsoft.com/office/2006/metadata/properties" xmlns:xsi="http://www.w3.org/2001/XMLSchema-instance" xmlns:pc="http://schemas.microsoft.com/office/infopath/2007/PartnerControls">
+  <documentManagement>
+    <Tointerview xmlns="1b973d31-3774-4da0-b147-c5c4bcddf3f1" xsi:nil="true"/>
+    <TaxCatchAll xmlns="70993a03-c97d-4535-9029-6811f6dade7d" xsi:nil="true"/>
+    <lcf76f155ced4ddcb4097134ff3c332f xmlns="1b973d31-3774-4da0-b147-c5c4bcddf3f1">
+      <Terms xmlns="http://schemas.microsoft.com/office/infopath/2007/PartnerControls"/>
+    </lcf76f155ced4ddcb4097134ff3c332f>
+  </documentManagement>
+</p:properties>
+</file>
+
+<file path=customXml/item3.xml><?xml version="1.0" encoding="utf-8"?>
 <ct:contentTypeSchema xmlns:ct="http://schemas.microsoft.com/office/2006/metadata/contentType" xmlns:ma="http://schemas.microsoft.com/office/2006/metadata/properties/metaAttributes" ct:_="" ma:_="" ma:contentTypeName="Document" ma:contentTypeID="0x010100417EE05FAEEAC1409A37E08D62A167CC" ma:contentTypeVersion="16" ma:contentTypeDescription="Create a new document." ma:contentTypeScope="" ma:versionID="d38f75698845d0233a434ea18f84529f">
   <xsd:schema xmlns:xsd="http://www.w3.org/2001/XMLSchema" xmlns:xs="http://www.w3.org/2001/XMLSchema" xmlns:p="http://schemas.microsoft.com/office/2006/metadata/properties" xmlns:ns2="1b973d31-3774-4da0-b147-c5c4bcddf3f1" xmlns:ns3="70993a03-c97d-4535-9029-6811f6dade7d" targetNamespace="http://schemas.microsoft.com/office/2006/metadata/properties" ma:root="true" ma:fieldsID="a74dd64343ab600dab1d05f807349ef8" ns2:_="" ns3:_="">
     <xsd:import namespace="1b973d31-3774-4da0-b147-c5c4bcddf3f1"/>
@@ -8407,18 +8180,6 @@
 </ct:contentTypeSchema>
 </file>
 
-<file path=customXml/item3.xml><?xml version="1.0" encoding="utf-8"?>
-<p:properties xmlns:p="http://schemas.microsoft.com/office/2006/metadata/properties" xmlns:xsi="http://www.w3.org/2001/XMLSchema-instance" xmlns:pc="http://schemas.microsoft.com/office/infopath/2007/PartnerControls">
-  <documentManagement>
-    <Tointerview xmlns="1b973d31-3774-4da0-b147-c5c4bcddf3f1" xsi:nil="true"/>
-    <TaxCatchAll xmlns="70993a03-c97d-4535-9029-6811f6dade7d" xsi:nil="true"/>
-    <lcf76f155ced4ddcb4097134ff3c332f xmlns="1b973d31-3774-4da0-b147-c5c4bcddf3f1">
-      <Terms xmlns="http://schemas.microsoft.com/office/infopath/2007/PartnerControls"/>
-    </lcf76f155ced4ddcb4097134ff3c332f>
-  </documentManagement>
-</p:properties>
-</file>
-
 <file path=customXml/itemProps1.xml><?xml version="1.0" encoding="utf-8"?>
 <ds:datastoreItem xmlns:ds="http://schemas.openxmlformats.org/officeDocument/2006/customXml" ds:itemID="{C5752171-D2AC-449D-BF8B-BB587F6BC2E2}">
   <ds:schemaRefs>
@@ -8428,6 +8189,25 @@
 </file>
 
 <file path=customXml/itemProps2.xml><?xml version="1.0" encoding="utf-8"?>
+<ds:datastoreItem xmlns:ds="http://schemas.openxmlformats.org/officeDocument/2006/customXml" ds:itemID="{41BEBB12-6065-46A7-A2D8-A1BACDD0BE00}">
+  <ds:schemaRefs>
+    <ds:schemaRef ds:uri="http://schemas.microsoft.com/office/2006/metadata/properties"/>
+    <ds:schemaRef ds:uri="http://schemas.microsoft.com/office/2006/documentManagement/types"/>
+    <ds:schemaRef ds:uri="http://schemas.microsoft.com/office/infopath/2007/PartnerControls"/>
+    <ds:schemaRef ds:uri="http://purl.org/dc/elements/1.1/"/>
+    <ds:schemaRef ds:uri="717299a0-e06e-45d9-84ee-5571ea7ae220"/>
+    <ds:schemaRef ds:uri="http://www.w3.org/XML/1998/namespace"/>
+    <ds:schemaRef ds:uri="http://purl.org/dc/terms/"/>
+    <ds:schemaRef ds:uri="http://schemas.openxmlformats.org/package/2006/metadata/core-properties"/>
+    <ds:schemaRef ds:uri="27262b54-1260-418a-b4d6-0ad133b5f061"/>
+    <ds:schemaRef ds:uri="http://purl.org/dc/dcmitype/"/>
+    <ds:schemaRef ds:uri="1b973d31-3774-4da0-b147-c5c4bcddf3f1"/>
+    <ds:schemaRef ds:uri="70993a03-c97d-4535-9029-6811f6dade7d"/>
+  </ds:schemaRefs>
+</ds:datastoreItem>
+</file>
+
+<file path=customXml/itemProps3.xml><?xml version="1.0" encoding="utf-8"?>
 <ds:datastoreItem xmlns:ds="http://schemas.openxmlformats.org/officeDocument/2006/customXml" ds:itemID="{59D0C72A-7B1C-49EC-9E13-51450835DFE9}">
   <ds:schemaRefs>
     <ds:schemaRef ds:uri="http://schemas.microsoft.com/office/2006/metadata/contentType"/>
@@ -8444,23 +8224,4 @@
     <ds:schemaRef ds:uri="http://schemas.microsoft.com/internal/obd"/>
   </ds:schemaRefs>
 </ds:datastoreItem>
-</file>
-
-<file path=customXml/itemProps3.xml><?xml version="1.0" encoding="utf-8"?>
-<ds:datastoreItem xmlns:ds="http://schemas.openxmlformats.org/officeDocument/2006/customXml" ds:itemID="{41BEBB12-6065-46A7-A2D8-A1BACDD0BE00}">
-  <ds:schemaRefs>
-    <ds:schemaRef ds:uri="http://schemas.microsoft.com/office/2006/metadata/properties"/>
-    <ds:schemaRef ds:uri="http://schemas.microsoft.com/office/2006/documentManagement/types"/>
-    <ds:schemaRef ds:uri="http://schemas.microsoft.com/office/infopath/2007/PartnerControls"/>
-    <ds:schemaRef ds:uri="http://purl.org/dc/elements/1.1/"/>
-    <ds:schemaRef ds:uri="717299a0-e06e-45d9-84ee-5571ea7ae220"/>
-    <ds:schemaRef ds:uri="http://www.w3.org/XML/1998/namespace"/>
-    <ds:schemaRef ds:uri="http://purl.org/dc/terms/"/>
-    <ds:schemaRef ds:uri="http://schemas.openxmlformats.org/package/2006/metadata/core-properties"/>
-    <ds:schemaRef ds:uri="27262b54-1260-418a-b4d6-0ad133b5f061"/>
-    <ds:schemaRef ds:uri="http://purl.org/dc/dcmitype/"/>
-    <ds:schemaRef ds:uri="1b973d31-3774-4da0-b147-c5c4bcddf3f1"/>
-    <ds:schemaRef ds:uri="70993a03-c97d-4535-9029-6811f6dade7d"/>
-  </ds:schemaRefs>
-</ds:datastoreItem>
 </file>